--- a/Корзинная сортировка.pptx
+++ b/Корзинная сортировка.pptx
@@ -16,6 +16,8 @@
     <p:sldId id="261" r:id="rId10"/>
     <p:sldId id="262" r:id="rId11"/>
     <p:sldId id="264" r:id="rId12"/>
+    <p:sldId id="267" r:id="rId13"/>
+    <p:sldId id="268" r:id="rId14"/>
   </p:sldIdLst>
   <p:sldSz cx="12192000" cy="6858000"/>
   <p:notesSz cx="6858000" cy="9144000"/>
@@ -114,6 +116,11 @@
       </a:defRPr>
     </a:lvl9pPr>
   </p:defaultTextStyle>
+  <p:extLst>
+    <p:ext uri="{EFAFB233-063F-42B5-8137-9DF3F51BA10A}">
+      <p15:sldGuideLst xmlns:p15="http://schemas.microsoft.com/office/powerpoint/2012/main"/>
+    </p:ext>
+  </p:extLst>
 </p:presentation>
 </file>
 
@@ -839,7 +846,7 @@
           <a:p>
             <a:fld id="{20350E89-74FD-488E-80BA-0ECBF7ECBB64}" type="datetimeFigureOut">
               <a:rPr lang="ru-RU" smtClean="0"/>
-              <a:t>01.04.2014</a:t>
+              <a:t>08.04.2014</a:t>
             </a:fld>
             <a:endParaRPr lang="ru-RU"/>
           </a:p>
@@ -1090,7 +1097,7 @@
           <a:p>
             <a:fld id="{20350E89-74FD-488E-80BA-0ECBF7ECBB64}" type="datetimeFigureOut">
               <a:rPr lang="ru-RU" smtClean="0"/>
-              <a:t>01.04.2014</a:t>
+              <a:t>08.04.2014</a:t>
             </a:fld>
             <a:endParaRPr lang="ru-RU"/>
           </a:p>
@@ -1404,7 +1411,7 @@
           <a:p>
             <a:fld id="{20350E89-74FD-488E-80BA-0ECBF7ECBB64}" type="datetimeFigureOut">
               <a:rPr lang="ru-RU" smtClean="0"/>
-              <a:t>01.04.2014</a:t>
+              <a:t>08.04.2014</a:t>
             </a:fld>
             <a:endParaRPr lang="ru-RU"/>
           </a:p>
@@ -1745,7 +1752,7 @@
           <a:p>
             <a:fld id="{20350E89-74FD-488E-80BA-0ECBF7ECBB64}" type="datetimeFigureOut">
               <a:rPr lang="ru-RU" smtClean="0"/>
-              <a:t>01.04.2014</a:t>
+              <a:t>08.04.2014</a:t>
             </a:fld>
             <a:endParaRPr lang="ru-RU"/>
           </a:p>
@@ -2059,7 +2066,7 @@
           <a:p>
             <a:fld id="{20350E89-74FD-488E-80BA-0ECBF7ECBB64}" type="datetimeFigureOut">
               <a:rPr lang="ru-RU" smtClean="0"/>
-              <a:t>01.04.2014</a:t>
+              <a:t>08.04.2014</a:t>
             </a:fld>
             <a:endParaRPr lang="ru-RU"/>
           </a:p>
@@ -2452,7 +2459,7 @@
           <a:p>
             <a:fld id="{20350E89-74FD-488E-80BA-0ECBF7ECBB64}" type="datetimeFigureOut">
               <a:rPr lang="ru-RU" smtClean="0"/>
-              <a:t>01.04.2014</a:t>
+              <a:t>08.04.2014</a:t>
             </a:fld>
             <a:endParaRPr lang="ru-RU"/>
           </a:p>
@@ -2622,7 +2629,7 @@
           <a:p>
             <a:fld id="{20350E89-74FD-488E-80BA-0ECBF7ECBB64}" type="datetimeFigureOut">
               <a:rPr lang="ru-RU" smtClean="0"/>
-              <a:t>01.04.2014</a:t>
+              <a:t>08.04.2014</a:t>
             </a:fld>
             <a:endParaRPr lang="ru-RU"/>
           </a:p>
@@ -2802,7 +2809,7 @@
           <a:p>
             <a:fld id="{20350E89-74FD-488E-80BA-0ECBF7ECBB64}" type="datetimeFigureOut">
               <a:rPr lang="ru-RU" smtClean="0"/>
-              <a:t>01.04.2014</a:t>
+              <a:t>08.04.2014</a:t>
             </a:fld>
             <a:endParaRPr lang="ru-RU"/>
           </a:p>
@@ -2978,7 +2985,7 @@
           <a:p>
             <a:fld id="{20350E89-74FD-488E-80BA-0ECBF7ECBB64}" type="datetimeFigureOut">
               <a:rPr lang="ru-RU" smtClean="0"/>
-              <a:t>01.04.2014</a:t>
+              <a:t>08.04.2014</a:t>
             </a:fld>
             <a:endParaRPr lang="ru-RU"/>
           </a:p>
@@ -3225,7 +3232,7 @@
           <a:p>
             <a:fld id="{20350E89-74FD-488E-80BA-0ECBF7ECBB64}" type="datetimeFigureOut">
               <a:rPr lang="ru-RU" smtClean="0"/>
-              <a:t>01.04.2014</a:t>
+              <a:t>08.04.2014</a:t>
             </a:fld>
             <a:endParaRPr lang="ru-RU"/>
           </a:p>
@@ -3457,7 +3464,7 @@
           <a:p>
             <a:fld id="{20350E89-74FD-488E-80BA-0ECBF7ECBB64}" type="datetimeFigureOut">
               <a:rPr lang="ru-RU" smtClean="0"/>
-              <a:t>01.04.2014</a:t>
+              <a:t>08.04.2014</a:t>
             </a:fld>
             <a:endParaRPr lang="ru-RU"/>
           </a:p>
@@ -3831,7 +3838,7 @@
           <a:p>
             <a:fld id="{20350E89-74FD-488E-80BA-0ECBF7ECBB64}" type="datetimeFigureOut">
               <a:rPr lang="ru-RU" smtClean="0"/>
-              <a:t>01.04.2014</a:t>
+              <a:t>08.04.2014</a:t>
             </a:fld>
             <a:endParaRPr lang="ru-RU"/>
           </a:p>
@@ -3954,7 +3961,7 @@
           <a:p>
             <a:fld id="{20350E89-74FD-488E-80BA-0ECBF7ECBB64}" type="datetimeFigureOut">
               <a:rPr lang="ru-RU" smtClean="0"/>
-              <a:t>01.04.2014</a:t>
+              <a:t>08.04.2014</a:t>
             </a:fld>
             <a:endParaRPr lang="ru-RU"/>
           </a:p>
@@ -4049,7 +4056,7 @@
           <a:p>
             <a:fld id="{20350E89-74FD-488E-80BA-0ECBF7ECBB64}" type="datetimeFigureOut">
               <a:rPr lang="ru-RU" smtClean="0"/>
-              <a:t>01.04.2014</a:t>
+              <a:t>08.04.2014</a:t>
             </a:fld>
             <a:endParaRPr lang="ru-RU"/>
           </a:p>
@@ -4304,7 +4311,7 @@
           <a:p>
             <a:fld id="{20350E89-74FD-488E-80BA-0ECBF7ECBB64}" type="datetimeFigureOut">
               <a:rPr lang="ru-RU" smtClean="0"/>
-              <a:t>01.04.2014</a:t>
+              <a:t>08.04.2014</a:t>
             </a:fld>
             <a:endParaRPr lang="ru-RU"/>
           </a:p>
@@ -4567,7 +4574,7 @@
           <a:p>
             <a:fld id="{20350E89-74FD-488E-80BA-0ECBF7ECBB64}" type="datetimeFigureOut">
               <a:rPr lang="ru-RU" smtClean="0"/>
-              <a:t>01.04.2014</a:t>
+              <a:t>08.04.2014</a:t>
             </a:fld>
             <a:endParaRPr lang="ru-RU"/>
           </a:p>
@@ -5310,7 +5317,7 @@
           <a:p>
             <a:fld id="{20350E89-74FD-488E-80BA-0ECBF7ECBB64}" type="datetimeFigureOut">
               <a:rPr lang="ru-RU" smtClean="0"/>
-              <a:t>01.04.2014</a:t>
+              <a:t>08.04.2014</a:t>
             </a:fld>
             <a:endParaRPr lang="ru-RU"/>
           </a:p>
@@ -6183,6 +6190,595 @@
 </p:sld>
 </file>
 
+<file path=ppt/slides/slide12.xml><?xml version="1.0" encoding="utf-8"?>
+<p:sld xmlns:a="http://schemas.openxmlformats.org/drawingml/2006/main" xmlns:r="http://schemas.openxmlformats.org/officeDocument/2006/relationships" xmlns:p="http://schemas.openxmlformats.org/presentationml/2006/main">
+  <p:cSld>
+    <p:spTree>
+      <p:nvGrpSpPr>
+        <p:cNvPr id="1" name=""/>
+        <p:cNvGrpSpPr/>
+        <p:nvPr/>
+      </p:nvGrpSpPr>
+      <p:grpSpPr>
+        <a:xfrm>
+          <a:off x="0" y="0"/>
+          <a:ext cx="0" cy="0"/>
+          <a:chOff x="0" y="0"/>
+          <a:chExt cx="0" cy="0"/>
+        </a:xfrm>
+      </p:grpSpPr>
+      <p:sp>
+        <p:nvSpPr>
+          <p:cNvPr id="2" name="Заголовок 1"/>
+          <p:cNvSpPr>
+            <a:spLocks noGrp="1"/>
+          </p:cNvSpPr>
+          <p:nvPr>
+            <p:ph type="title"/>
+          </p:nvPr>
+        </p:nvSpPr>
+        <p:spPr/>
+        <p:txBody>
+          <a:bodyPr/>
+          <a:lstStyle/>
+          <a:p>
+            <a:r>
+              <a:rPr lang="ru-RU" dirty="0" smtClean="0"/>
+              <a:t>Алгоритм </a:t>
+            </a:r>
+            <a:r>
+              <a:rPr lang="ru-RU" dirty="0"/>
+              <a:t>корзинной сортировки </a:t>
+            </a:r>
+            <a:r>
+              <a:rPr lang="ru-RU" dirty="0" smtClean="0"/>
+              <a:t>с </a:t>
+            </a:r>
+            <a:r>
+              <a:rPr lang="ru-RU" dirty="0"/>
+              <a:t>использованием MPI</a:t>
+            </a:r>
+          </a:p>
+        </p:txBody>
+      </p:sp>
+      <p:sp>
+        <p:nvSpPr>
+          <p:cNvPr id="3" name="Объект 2"/>
+          <p:cNvSpPr>
+            <a:spLocks noGrp="1"/>
+          </p:cNvSpPr>
+          <p:nvPr>
+            <p:ph idx="1"/>
+          </p:nvPr>
+        </p:nvSpPr>
+        <p:spPr/>
+        <p:txBody>
+          <a:bodyPr>
+            <a:normAutofit lnSpcReduction="10000"/>
+          </a:bodyPr>
+          <a:lstStyle/>
+          <a:p>
+            <a:pPr algn="just">
+              <a:buFont typeface="+mj-lt"/>
+              <a:buAutoNum type="arabicPeriod"/>
+            </a:pPr>
+            <a:r>
+              <a:rPr lang="ru-RU" dirty="0" smtClean="0"/>
+              <a:t>Хост-процесс формирует исходный массив и каждый элемент</a:t>
+            </a:r>
+            <a:r>
+              <a:rPr lang="en-US" dirty="0" smtClean="0"/>
+              <a:t> e</a:t>
+            </a:r>
+            <a:r>
+              <a:rPr lang="ru-RU" dirty="0" smtClean="0"/>
+              <a:t> рассылает </a:t>
+            </a:r>
+            <a:r>
+              <a:rPr lang="ru-RU" dirty="0" err="1" smtClean="0"/>
+              <a:t>брэдкастом</a:t>
+            </a:r>
+            <a:r>
+              <a:rPr lang="ru-RU" dirty="0" smtClean="0"/>
+              <a:t> для всех процессов</a:t>
+            </a:r>
+          </a:p>
+          <a:p>
+            <a:pPr marL="800100" lvl="1" indent="-342900" algn="just">
+              <a:buFont typeface="+mj-lt"/>
+              <a:buAutoNum type="arabicPeriod"/>
+            </a:pPr>
+            <a:r>
+              <a:rPr lang="ru-RU" dirty="0" smtClean="0"/>
+              <a:t>Каждый процесс получает из </a:t>
+            </a:r>
+            <a:r>
+              <a:rPr lang="ru-RU" dirty="0" err="1" smtClean="0"/>
+              <a:t>брэдкаста</a:t>
+            </a:r>
+            <a:r>
+              <a:rPr lang="ru-RU" dirty="0" smtClean="0"/>
+              <a:t> элемент</a:t>
+            </a:r>
+            <a:r>
+              <a:rPr lang="en-US" dirty="0" smtClean="0"/>
+              <a:t> e</a:t>
+            </a:r>
+            <a:endParaRPr lang="ru-RU" dirty="0" smtClean="0"/>
+          </a:p>
+          <a:p>
+            <a:pPr marL="800100" lvl="1" indent="-342900" algn="just">
+              <a:buFont typeface="+mj-lt"/>
+              <a:buAutoNum type="arabicPeriod"/>
+            </a:pPr>
+            <a:r>
+              <a:rPr lang="ru-RU" dirty="0"/>
+              <a:t>Каждый процесс </a:t>
+            </a:r>
+            <a:r>
+              <a:rPr lang="ru-RU" dirty="0" smtClean="0"/>
+              <a:t>вычисляет номер корзины </a:t>
+            </a:r>
+            <a:r>
+              <a:rPr lang="en-US" dirty="0" smtClean="0"/>
+              <a:t>k </a:t>
+            </a:r>
+            <a:r>
+              <a:rPr lang="ru-RU" dirty="0" smtClean="0"/>
+              <a:t>для элемента</a:t>
+            </a:r>
+            <a:r>
+              <a:rPr lang="en-US" dirty="0" smtClean="0"/>
+              <a:t> e</a:t>
+            </a:r>
+            <a:endParaRPr lang="ru-RU" dirty="0" smtClean="0"/>
+          </a:p>
+          <a:p>
+            <a:pPr marL="800100" lvl="1" indent="-342900" algn="just">
+              <a:buFont typeface="+mj-lt"/>
+              <a:buAutoNum type="arabicPeriod"/>
+            </a:pPr>
+            <a:r>
+              <a:rPr lang="ru-RU" dirty="0" smtClean="0"/>
+              <a:t>Если корзина обслуживается данным процессом, то </a:t>
+            </a:r>
+          </a:p>
+          <a:p>
+            <a:pPr marL="1200150" lvl="2" indent="-342900" algn="just">
+              <a:buFont typeface="+mj-lt"/>
+              <a:buAutoNum type="arabicPeriod"/>
+            </a:pPr>
+            <a:r>
+              <a:rPr lang="ru-RU" dirty="0" smtClean="0"/>
+              <a:t>Процесс добавляет элемент </a:t>
+            </a:r>
+            <a:r>
+              <a:rPr lang="en-US" dirty="0" smtClean="0"/>
+              <a:t>e </a:t>
+            </a:r>
+            <a:r>
+              <a:rPr lang="ru-RU" dirty="0" smtClean="0"/>
+              <a:t>в соответствующую корзину </a:t>
+            </a:r>
+            <a:r>
+              <a:rPr lang="en-US" dirty="0" smtClean="0"/>
+              <a:t>k </a:t>
+            </a:r>
+            <a:r>
+              <a:rPr lang="ru-RU" dirty="0" smtClean="0"/>
+              <a:t>в памяти процесса</a:t>
+            </a:r>
+          </a:p>
+          <a:p>
+            <a:pPr marL="400050" algn="just">
+              <a:buFont typeface="+mj-lt"/>
+              <a:buAutoNum type="arabicPeriod"/>
+            </a:pPr>
+            <a:r>
+              <a:rPr lang="ru-RU" dirty="0" smtClean="0"/>
+              <a:t>Все процессы сортируют каждую обслуживаемую корзину</a:t>
+            </a:r>
+          </a:p>
+          <a:p>
+            <a:pPr marL="400050" algn="just">
+              <a:buFont typeface="+mj-lt"/>
+              <a:buAutoNum type="arabicPeriod"/>
+            </a:pPr>
+            <a:r>
+              <a:rPr lang="ru-RU" dirty="0" smtClean="0"/>
+              <a:t>Хост-процесс последовательно перебирает номера корзин </a:t>
+            </a:r>
+            <a:r>
+              <a:rPr lang="en-US" dirty="0" smtClean="0"/>
+              <a:t>k</a:t>
+            </a:r>
+            <a:endParaRPr lang="ru-RU" dirty="0" smtClean="0"/>
+          </a:p>
+          <a:p>
+            <a:pPr marL="800100" lvl="1" algn="just">
+              <a:buFont typeface="+mj-lt"/>
+              <a:buAutoNum type="arabicPeriod"/>
+            </a:pPr>
+            <a:r>
+              <a:rPr lang="ru-RU" dirty="0" smtClean="0"/>
+              <a:t>Для каждого номера корзины хост-процесс определяет номер </a:t>
+            </a:r>
+            <a:r>
+              <a:rPr lang="en-US" dirty="0" err="1" smtClean="0"/>
+              <a:t>i</a:t>
+            </a:r>
+            <a:r>
+              <a:rPr lang="en-US" dirty="0" smtClean="0"/>
+              <a:t> </a:t>
+            </a:r>
+            <a:r>
+              <a:rPr lang="ru-RU" dirty="0" smtClean="0"/>
+              <a:t>процесса, который обслуживает данную корзину</a:t>
+            </a:r>
+          </a:p>
+          <a:p>
+            <a:pPr marL="800100" lvl="1" algn="just">
+              <a:buFont typeface="+mj-lt"/>
+              <a:buAutoNum type="arabicPeriod"/>
+            </a:pPr>
+            <a:r>
+              <a:rPr lang="ru-RU" dirty="0" smtClean="0"/>
+              <a:t>Хост-процесс запрашивает у процесса </a:t>
+            </a:r>
+            <a:r>
+              <a:rPr lang="ru-RU" dirty="0"/>
+              <a:t>номер </a:t>
+            </a:r>
+            <a:r>
+              <a:rPr lang="en-US" dirty="0" err="1"/>
+              <a:t>i</a:t>
+            </a:r>
+            <a:r>
+              <a:rPr lang="en-US" dirty="0"/>
+              <a:t> </a:t>
+            </a:r>
+            <a:r>
+              <a:rPr lang="ru-RU" dirty="0" smtClean="0"/>
+              <a:t>содержимое корзины </a:t>
+            </a:r>
+            <a:r>
+              <a:rPr lang="en-US" dirty="0" smtClean="0"/>
+              <a:t>k </a:t>
+            </a:r>
+            <a:r>
+              <a:rPr lang="ru-RU" dirty="0" smtClean="0"/>
+              <a:t>и присоединяет его к итоговому массиву</a:t>
+            </a:r>
+            <a:endParaRPr lang="ru-RU" dirty="0"/>
+          </a:p>
+          <a:p>
+            <a:pPr marL="800100" lvl="1" indent="-342900" algn="just">
+              <a:buFont typeface="+mj-lt"/>
+              <a:buAutoNum type="arabicPeriod"/>
+            </a:pPr>
+            <a:endParaRPr lang="ru-RU" dirty="0"/>
+          </a:p>
+        </p:txBody>
+      </p:sp>
+    </p:spTree>
+    <p:extLst>
+      <p:ext uri="{BB962C8B-B14F-4D97-AF65-F5344CB8AC3E}">
+        <p14:creationId xmlns:p14="http://schemas.microsoft.com/office/powerpoint/2010/main" val="3494001629"/>
+      </p:ext>
+    </p:extLst>
+  </p:cSld>
+  <p:clrMapOvr>
+    <a:masterClrMapping/>
+  </p:clrMapOvr>
+</p:sld>
+</file>
+
+<file path=ppt/slides/slide13.xml><?xml version="1.0" encoding="utf-8"?>
+<p:sld xmlns:a="http://schemas.openxmlformats.org/drawingml/2006/main" xmlns:r="http://schemas.openxmlformats.org/officeDocument/2006/relationships" xmlns:p="http://schemas.openxmlformats.org/presentationml/2006/main">
+  <p:cSld>
+    <p:spTree>
+      <p:nvGrpSpPr>
+        <p:cNvPr id="1" name=""/>
+        <p:cNvGrpSpPr/>
+        <p:nvPr/>
+      </p:nvGrpSpPr>
+      <p:grpSpPr>
+        <a:xfrm>
+          <a:off x="0" y="0"/>
+          <a:ext cx="0" cy="0"/>
+          <a:chOff x="0" y="0"/>
+          <a:chExt cx="0" cy="0"/>
+        </a:xfrm>
+      </p:grpSpPr>
+      <p:sp>
+        <p:nvSpPr>
+          <p:cNvPr id="2" name="Заголовок 1"/>
+          <p:cNvSpPr>
+            <a:spLocks noGrp="1"/>
+          </p:cNvSpPr>
+          <p:nvPr>
+            <p:ph type="title"/>
+          </p:nvPr>
+        </p:nvSpPr>
+        <p:spPr/>
+        <p:txBody>
+          <a:bodyPr/>
+          <a:lstStyle/>
+          <a:p>
+            <a:r>
+              <a:rPr lang="ru-RU" dirty="0" smtClean="0"/>
+              <a:t>Алгоритм корзинной сортировки с использованием </a:t>
+            </a:r>
+            <a:r>
+              <a:rPr lang="ru-RU" dirty="0"/>
+              <a:t>CUDA</a:t>
+            </a:r>
+          </a:p>
+        </p:txBody>
+      </p:sp>
+      <p:sp>
+        <p:nvSpPr>
+          <p:cNvPr id="3" name="Объект 2"/>
+          <p:cNvSpPr>
+            <a:spLocks noGrp="1"/>
+          </p:cNvSpPr>
+          <p:nvPr>
+            <p:ph idx="1"/>
+          </p:nvPr>
+        </p:nvSpPr>
+        <p:spPr/>
+        <p:txBody>
+          <a:bodyPr>
+            <a:normAutofit lnSpcReduction="10000"/>
+          </a:bodyPr>
+          <a:lstStyle/>
+          <a:p>
+            <a:pPr algn="just">
+              <a:buFont typeface="+mj-lt"/>
+              <a:buAutoNum type="arabicPeriod"/>
+            </a:pPr>
+            <a:r>
+              <a:rPr lang="ru-RU" dirty="0" smtClean="0"/>
+              <a:t>Исходный массив размера </a:t>
+            </a:r>
+            <a:r>
+              <a:rPr lang="en-US" dirty="0" smtClean="0"/>
+              <a:t>N </a:t>
+            </a:r>
+            <a:r>
+              <a:rPr lang="ru-RU" dirty="0" smtClean="0"/>
+              <a:t>загружается в память </a:t>
+            </a:r>
+            <a:r>
+              <a:rPr lang="en-US" dirty="0" smtClean="0"/>
+              <a:t>GPU</a:t>
+            </a:r>
+          </a:p>
+          <a:p>
+            <a:pPr algn="just">
+              <a:buFont typeface="+mj-lt"/>
+              <a:buAutoNum type="arabicPeriod"/>
+            </a:pPr>
+            <a:r>
+              <a:rPr lang="ru-RU" dirty="0" smtClean="0"/>
+              <a:t>На </a:t>
+            </a:r>
+            <a:r>
+              <a:rPr lang="en-US" dirty="0" smtClean="0"/>
+              <a:t>GPU </a:t>
+            </a:r>
+            <a:r>
+              <a:rPr lang="ru-RU" dirty="0" smtClean="0"/>
+              <a:t>выделяется </a:t>
+            </a:r>
+            <a:r>
+              <a:rPr lang="en-US" dirty="0" smtClean="0"/>
+              <a:t>K </a:t>
+            </a:r>
+            <a:r>
+              <a:rPr lang="ru-RU" dirty="0" smtClean="0"/>
+              <a:t>блоков памяти размера </a:t>
+            </a:r>
+            <a:r>
+              <a:rPr lang="en-US" dirty="0" smtClean="0"/>
+              <a:t>N</a:t>
+            </a:r>
+            <a:r>
+              <a:rPr lang="ru-RU" dirty="0" smtClean="0"/>
+              <a:t>, где </a:t>
+            </a:r>
+            <a:r>
+              <a:rPr lang="en-US" dirty="0" smtClean="0"/>
+              <a:t>K</a:t>
+            </a:r>
+            <a:r>
+              <a:rPr lang="ru-RU" dirty="0" smtClean="0"/>
+              <a:t> – общее число корзин</a:t>
+            </a:r>
+          </a:p>
+          <a:p>
+            <a:pPr algn="just">
+              <a:buFont typeface="+mj-lt"/>
+              <a:buAutoNum type="arabicPeriod"/>
+            </a:pPr>
+            <a:r>
+              <a:rPr lang="ru-RU" dirty="0" smtClean="0"/>
+              <a:t>На </a:t>
+            </a:r>
+            <a:r>
+              <a:rPr lang="en-US" dirty="0" smtClean="0"/>
+              <a:t>GPU </a:t>
+            </a:r>
+            <a:r>
+              <a:rPr lang="ru-RU" dirty="0" smtClean="0"/>
+              <a:t>запускается параллельное выполнение процессов </a:t>
+            </a:r>
+            <a:r>
+              <a:rPr lang="en-US" dirty="0" smtClean="0"/>
+              <a:t>K </a:t>
+            </a:r>
+            <a:r>
+              <a:rPr lang="ru-RU" dirty="0" smtClean="0"/>
+              <a:t>для каждой корзины</a:t>
+            </a:r>
+          </a:p>
+          <a:p>
+            <a:pPr lvl="1" algn="just">
+              <a:buFont typeface="+mj-lt"/>
+              <a:buAutoNum type="arabicPeriod"/>
+            </a:pPr>
+            <a:r>
+              <a:rPr lang="ru-RU" dirty="0" smtClean="0"/>
+              <a:t>Процесс </a:t>
+            </a:r>
+            <a:r>
+              <a:rPr lang="en-US" dirty="0"/>
+              <a:t>t</a:t>
+            </a:r>
+            <a:r>
+              <a:rPr lang="en-US" dirty="0" smtClean="0"/>
+              <a:t> </a:t>
+            </a:r>
+            <a:r>
+              <a:rPr lang="ru-RU" dirty="0" smtClean="0"/>
+              <a:t>для корзины для каждого элемента исходного массива вычисляет номер корзины</a:t>
+            </a:r>
+            <a:r>
+              <a:rPr lang="en-US" dirty="0" smtClean="0"/>
+              <a:t> k</a:t>
+            </a:r>
+            <a:endParaRPr lang="ru-RU" dirty="0" smtClean="0"/>
+          </a:p>
+          <a:p>
+            <a:pPr lvl="1" algn="just">
+              <a:buFont typeface="+mj-lt"/>
+              <a:buAutoNum type="arabicPeriod"/>
+            </a:pPr>
+            <a:r>
+              <a:rPr lang="ru-RU" dirty="0" smtClean="0"/>
+              <a:t>Если </a:t>
+            </a:r>
+            <a:r>
+              <a:rPr lang="en-US" dirty="0" smtClean="0"/>
+              <a:t>t </a:t>
+            </a:r>
+            <a:r>
+              <a:rPr lang="ru-RU" dirty="0" smtClean="0"/>
+              <a:t>равно </a:t>
+            </a:r>
+            <a:r>
+              <a:rPr lang="en-US" dirty="0" smtClean="0"/>
+              <a:t>k, </a:t>
+            </a:r>
+            <a:r>
+              <a:rPr lang="ru-RU" dirty="0" smtClean="0"/>
+              <a:t>то</a:t>
+            </a:r>
+          </a:p>
+          <a:p>
+            <a:pPr lvl="2" algn="just">
+              <a:buFont typeface="+mj-lt"/>
+              <a:buAutoNum type="arabicPeriod"/>
+            </a:pPr>
+            <a:r>
+              <a:rPr lang="ru-RU" dirty="0" smtClean="0"/>
+              <a:t>Процесс </a:t>
+            </a:r>
+            <a:r>
+              <a:rPr lang="en-US" dirty="0" smtClean="0"/>
+              <a:t>t </a:t>
+            </a:r>
+            <a:r>
+              <a:rPr lang="ru-RU" dirty="0" smtClean="0"/>
+              <a:t>для корзины копирует элемент в свою корзину </a:t>
+            </a:r>
+          </a:p>
+          <a:p>
+            <a:pPr lvl="1" algn="just">
+              <a:buFont typeface="+mj-lt"/>
+              <a:buAutoNum type="arabicPeriod"/>
+            </a:pPr>
+            <a:r>
+              <a:rPr lang="ru-RU" dirty="0" smtClean="0"/>
+              <a:t>Процесс </a:t>
+            </a:r>
+            <a:r>
+              <a:rPr lang="en-US" dirty="0"/>
+              <a:t>t </a:t>
+            </a:r>
+            <a:r>
+              <a:rPr lang="ru-RU" dirty="0"/>
+              <a:t>для </a:t>
+            </a:r>
+            <a:r>
+              <a:rPr lang="ru-RU" dirty="0" smtClean="0"/>
+              <a:t>корзины сортирует свою корзину</a:t>
+            </a:r>
+          </a:p>
+          <a:p>
+            <a:pPr algn="just">
+              <a:buFont typeface="+mj-lt"/>
+              <a:buAutoNum type="arabicPeriod"/>
+            </a:pPr>
+            <a:r>
+              <a:rPr lang="ru-RU" dirty="0"/>
+              <a:t>На </a:t>
+            </a:r>
+            <a:r>
+              <a:rPr lang="en-US" dirty="0"/>
+              <a:t>GPU </a:t>
+            </a:r>
+            <a:r>
+              <a:rPr lang="ru-RU" dirty="0" smtClean="0"/>
+              <a:t>запускается процедура слияния всех </a:t>
+            </a:r>
+            <a:r>
+              <a:rPr lang="en-US" dirty="0" smtClean="0"/>
+              <a:t>K</a:t>
+            </a:r>
+            <a:r>
+              <a:rPr lang="ru-RU" dirty="0" smtClean="0"/>
+              <a:t> </a:t>
+            </a:r>
+            <a:r>
+              <a:rPr lang="ru-RU" dirty="0"/>
+              <a:t>отсортированных </a:t>
+            </a:r>
+            <a:r>
+              <a:rPr lang="ru-RU" dirty="0" err="1" smtClean="0"/>
+              <a:t>подмассивов</a:t>
+            </a:r>
+            <a:r>
+              <a:rPr lang="ru-RU" dirty="0" smtClean="0"/>
+              <a:t> </a:t>
+            </a:r>
+          </a:p>
+          <a:p>
+            <a:pPr lvl="1" algn="just">
+              <a:buFont typeface="+mj-lt"/>
+              <a:buAutoNum type="arabicPeriod"/>
+            </a:pPr>
+            <a:endParaRPr lang="en-US" dirty="0" smtClean="0"/>
+          </a:p>
+          <a:p>
+            <a:pPr algn="just"/>
+            <a:endParaRPr lang="ru-RU" dirty="0"/>
+          </a:p>
+        </p:txBody>
+      </p:sp>
+    </p:spTree>
+    <p:extLst>
+      <p:ext uri="{BB962C8B-B14F-4D97-AF65-F5344CB8AC3E}">
+        <p14:creationId xmlns:p14="http://schemas.microsoft.com/office/powerpoint/2010/main" val="3307064887"/>
+      </p:ext>
+    </p:extLst>
+  </p:cSld>
+  <p:clrMapOvr>
+    <a:masterClrMapping/>
+  </p:clrMapOvr>
+</p:sld>
+</file>
+
 <file path=ppt/slides/slide2.xml><?xml version="1.0" encoding="utf-8"?>
 <p:sld xmlns:a="http://schemas.openxmlformats.org/drawingml/2006/main" xmlns:r="http://schemas.openxmlformats.org/officeDocument/2006/relationships" xmlns:p="http://schemas.openxmlformats.org/presentationml/2006/main">
   <p:cSld>
@@ -7074,7 +7670,6 @@
               <a:rPr lang="ru-RU" dirty="0" smtClean="0"/>
               <a:t>-1</a:t>
             </a:r>
-            <a:endParaRPr lang="ru-RU" dirty="0" smtClean="0"/>
           </a:p>
         </p:txBody>
       </p:sp>

--- a/Корзинная сортировка.pptx
+++ b/Корзинная сортировка.pptx
@@ -1,9 +1,12 @@
 
 <file path=ppt/presentation.xml><?xml version="1.0" encoding="utf-8"?>
-<p:presentation xmlns:a="http://schemas.openxmlformats.org/drawingml/2006/main" xmlns:r="http://schemas.openxmlformats.org/officeDocument/2006/relationships" xmlns:p="http://schemas.openxmlformats.org/presentationml/2006/main" saveSubsetFonts="1">
+<p:presentation xmlns:a="http://schemas.openxmlformats.org/drawingml/2006/main" xmlns:r="http://schemas.openxmlformats.org/officeDocument/2006/relationships" xmlns:p="http://schemas.openxmlformats.org/presentationml/2006/main" showSpecialPlsOnTitleSld="0" saveSubsetFonts="1">
   <p:sldMasterIdLst>
     <p:sldMasterId id="2147483724" r:id="rId1"/>
   </p:sldMasterIdLst>
+  <p:notesMasterIdLst>
+    <p:notesMasterId r:id="rId16"/>
+  </p:notesMasterIdLst>
   <p:sldIdLst>
     <p:sldId id="256" r:id="rId2"/>
     <p:sldId id="257" r:id="rId3"/>
@@ -18,6 +21,7 @@
     <p:sldId id="264" r:id="rId12"/>
     <p:sldId id="267" r:id="rId13"/>
     <p:sldId id="268" r:id="rId14"/>
+    <p:sldId id="269" r:id="rId15"/>
   </p:sldIdLst>
   <p:sldSz cx="12192000" cy="6858000"/>
   <p:notesSz cx="6858000" cy="9144000"/>
@@ -122,6 +126,440 @@
     </p:ext>
   </p:extLst>
 </p:presentation>
+</file>
+
+<file path=ppt/notesMasters/notesMaster1.xml><?xml version="1.0" encoding="utf-8"?>
+<p:notesMaster xmlns:a="http://schemas.openxmlformats.org/drawingml/2006/main" xmlns:r="http://schemas.openxmlformats.org/officeDocument/2006/relationships" xmlns:p="http://schemas.openxmlformats.org/presentationml/2006/main">
+  <p:cSld>
+    <p:bg>
+      <p:bgRef idx="1001">
+        <a:schemeClr val="bg1"/>
+      </p:bgRef>
+    </p:bg>
+    <p:spTree>
+      <p:nvGrpSpPr>
+        <p:cNvPr id="1" name=""/>
+        <p:cNvGrpSpPr/>
+        <p:nvPr/>
+      </p:nvGrpSpPr>
+      <p:grpSpPr>
+        <a:xfrm>
+          <a:off x="0" y="0"/>
+          <a:ext cx="0" cy="0"/>
+          <a:chOff x="0" y="0"/>
+          <a:chExt cx="0" cy="0"/>
+        </a:xfrm>
+      </p:grpSpPr>
+      <p:sp>
+        <p:nvSpPr>
+          <p:cNvPr id="2" name="Верхний колонтитул 1"/>
+          <p:cNvSpPr>
+            <a:spLocks noGrp="1"/>
+          </p:cNvSpPr>
+          <p:nvPr>
+            <p:ph type="hdr" sz="quarter"/>
+          </p:nvPr>
+        </p:nvSpPr>
+        <p:spPr>
+          <a:xfrm>
+            <a:off x="0" y="0"/>
+            <a:ext cx="2971800" cy="458788"/>
+          </a:xfrm>
+          <a:prstGeom prst="rect">
+            <a:avLst/>
+          </a:prstGeom>
+        </p:spPr>
+        <p:txBody>
+          <a:bodyPr vert="horz" lIns="91440" tIns="45720" rIns="91440" bIns="45720" rtlCol="0"/>
+          <a:lstStyle>
+            <a:lvl1pPr algn="l">
+              <a:defRPr sz="1200"/>
+            </a:lvl1pPr>
+          </a:lstStyle>
+          <a:p>
+            <a:endParaRPr lang="ru-RU"/>
+          </a:p>
+        </p:txBody>
+      </p:sp>
+      <p:sp>
+        <p:nvSpPr>
+          <p:cNvPr id="3" name="Дата 2"/>
+          <p:cNvSpPr>
+            <a:spLocks noGrp="1"/>
+          </p:cNvSpPr>
+          <p:nvPr>
+            <p:ph type="dt" idx="1"/>
+          </p:nvPr>
+        </p:nvSpPr>
+        <p:spPr>
+          <a:xfrm>
+            <a:off x="3884613" y="0"/>
+            <a:ext cx="2971800" cy="458788"/>
+          </a:xfrm>
+          <a:prstGeom prst="rect">
+            <a:avLst/>
+          </a:prstGeom>
+        </p:spPr>
+        <p:txBody>
+          <a:bodyPr vert="horz" lIns="91440" tIns="45720" rIns="91440" bIns="45720" rtlCol="0"/>
+          <a:lstStyle>
+            <a:lvl1pPr algn="r">
+              <a:defRPr sz="1200"/>
+            </a:lvl1pPr>
+          </a:lstStyle>
+          <a:p>
+            <a:fld id="{0D762731-F044-4D22-A2CA-8A88A14624A4}" type="datetimeFigureOut">
+              <a:rPr lang="ru-RU" smtClean="0"/>
+              <a:t>29.08.2015</a:t>
+            </a:fld>
+            <a:endParaRPr lang="ru-RU"/>
+          </a:p>
+        </p:txBody>
+      </p:sp>
+      <p:sp>
+        <p:nvSpPr>
+          <p:cNvPr id="4" name="Образ слайда 3"/>
+          <p:cNvSpPr>
+            <a:spLocks noGrp="1" noRot="1" noChangeAspect="1"/>
+          </p:cNvSpPr>
+          <p:nvPr>
+            <p:ph type="sldImg" idx="2"/>
+          </p:nvPr>
+        </p:nvSpPr>
+        <p:spPr>
+          <a:xfrm>
+            <a:off x="685800" y="1143000"/>
+            <a:ext cx="5486400" cy="3086100"/>
+          </a:xfrm>
+          <a:prstGeom prst="rect">
+            <a:avLst/>
+          </a:prstGeom>
+          <a:noFill/>
+          <a:ln w="12700">
+            <a:solidFill>
+              <a:prstClr val="black"/>
+            </a:solidFill>
+          </a:ln>
+        </p:spPr>
+        <p:txBody>
+          <a:bodyPr vert="horz" lIns="91440" tIns="45720" rIns="91440" bIns="45720" rtlCol="0" anchor="ctr"/>
+          <a:lstStyle/>
+          <a:p>
+            <a:endParaRPr lang="ru-RU"/>
+          </a:p>
+        </p:txBody>
+      </p:sp>
+      <p:sp>
+        <p:nvSpPr>
+          <p:cNvPr id="5" name="Заметки 4"/>
+          <p:cNvSpPr>
+            <a:spLocks noGrp="1"/>
+          </p:cNvSpPr>
+          <p:nvPr>
+            <p:ph type="body" sz="quarter" idx="3"/>
+          </p:nvPr>
+        </p:nvSpPr>
+        <p:spPr>
+          <a:xfrm>
+            <a:off x="685800" y="4400550"/>
+            <a:ext cx="5486400" cy="3600450"/>
+          </a:xfrm>
+          <a:prstGeom prst="rect">
+            <a:avLst/>
+          </a:prstGeom>
+        </p:spPr>
+        <p:txBody>
+          <a:bodyPr vert="horz" lIns="91440" tIns="45720" rIns="91440" bIns="45720" rtlCol="0"/>
+          <a:lstStyle/>
+          <a:p>
+            <a:pPr lvl="0"/>
+            <a:r>
+              <a:rPr lang="ru-RU" smtClean="0"/>
+              <a:t>Образец текста</a:t>
+            </a:r>
+          </a:p>
+          <a:p>
+            <a:pPr lvl="1"/>
+            <a:r>
+              <a:rPr lang="ru-RU" smtClean="0"/>
+              <a:t>Второй уровень</a:t>
+            </a:r>
+          </a:p>
+          <a:p>
+            <a:pPr lvl="2"/>
+            <a:r>
+              <a:rPr lang="ru-RU" smtClean="0"/>
+              <a:t>Третий уровень</a:t>
+            </a:r>
+          </a:p>
+          <a:p>
+            <a:pPr lvl="3"/>
+            <a:r>
+              <a:rPr lang="ru-RU" smtClean="0"/>
+              <a:t>Четвертый уровень</a:t>
+            </a:r>
+          </a:p>
+          <a:p>
+            <a:pPr lvl="4"/>
+            <a:r>
+              <a:rPr lang="ru-RU" smtClean="0"/>
+              <a:t>Пятый уровень</a:t>
+            </a:r>
+            <a:endParaRPr lang="ru-RU"/>
+          </a:p>
+        </p:txBody>
+      </p:sp>
+      <p:sp>
+        <p:nvSpPr>
+          <p:cNvPr id="6" name="Нижний колонтитул 5"/>
+          <p:cNvSpPr>
+            <a:spLocks noGrp="1"/>
+          </p:cNvSpPr>
+          <p:nvPr>
+            <p:ph type="ftr" sz="quarter" idx="4"/>
+          </p:nvPr>
+        </p:nvSpPr>
+        <p:spPr>
+          <a:xfrm>
+            <a:off x="0" y="8685213"/>
+            <a:ext cx="2971800" cy="458787"/>
+          </a:xfrm>
+          <a:prstGeom prst="rect">
+            <a:avLst/>
+          </a:prstGeom>
+        </p:spPr>
+        <p:txBody>
+          <a:bodyPr vert="horz" lIns="91440" tIns="45720" rIns="91440" bIns="45720" rtlCol="0" anchor="b"/>
+          <a:lstStyle>
+            <a:lvl1pPr algn="l">
+              <a:defRPr sz="1200"/>
+            </a:lvl1pPr>
+          </a:lstStyle>
+          <a:p>
+            <a:endParaRPr lang="ru-RU"/>
+          </a:p>
+        </p:txBody>
+      </p:sp>
+      <p:sp>
+        <p:nvSpPr>
+          <p:cNvPr id="7" name="Номер слайда 6"/>
+          <p:cNvSpPr>
+            <a:spLocks noGrp="1"/>
+          </p:cNvSpPr>
+          <p:nvPr>
+            <p:ph type="sldNum" sz="quarter" idx="5"/>
+          </p:nvPr>
+        </p:nvSpPr>
+        <p:spPr>
+          <a:xfrm>
+            <a:off x="3884613" y="8685213"/>
+            <a:ext cx="2971800" cy="458787"/>
+          </a:xfrm>
+          <a:prstGeom prst="rect">
+            <a:avLst/>
+          </a:prstGeom>
+        </p:spPr>
+        <p:txBody>
+          <a:bodyPr vert="horz" lIns="91440" tIns="45720" rIns="91440" bIns="45720" rtlCol="0" anchor="b"/>
+          <a:lstStyle>
+            <a:lvl1pPr algn="r">
+              <a:defRPr sz="1200"/>
+            </a:lvl1pPr>
+          </a:lstStyle>
+          <a:p>
+            <a:fld id="{C299D6C5-F4A5-441D-9410-B8B4D6F8D94D}" type="slidenum">
+              <a:rPr lang="ru-RU" smtClean="0"/>
+              <a:t>‹#›</a:t>
+            </a:fld>
+            <a:endParaRPr lang="ru-RU"/>
+          </a:p>
+        </p:txBody>
+      </p:sp>
+    </p:spTree>
+    <p:extLst>
+      <p:ext uri="{BB962C8B-B14F-4D97-AF65-F5344CB8AC3E}">
+        <p14:creationId xmlns:p14="http://schemas.microsoft.com/office/powerpoint/2010/main" val="597439492"/>
+      </p:ext>
+    </p:extLst>
+  </p:cSld>
+  <p:clrMap bg1="lt1" tx1="dk1" bg2="lt2" tx2="dk2" accent1="accent1" accent2="accent2" accent3="accent3" accent4="accent4" accent5="accent5" accent6="accent6" hlink="hlink" folHlink="folHlink"/>
+  <p:notesStyle>
+    <a:lvl1pPr marL="0" algn="l" defTabSz="914400" rtl="0" eaLnBrk="1" latinLnBrk="0" hangingPunct="1">
+      <a:defRPr sz="1200" kern="1200">
+        <a:solidFill>
+          <a:schemeClr val="tx1"/>
+        </a:solidFill>
+        <a:latin typeface="+mn-lt"/>
+        <a:ea typeface="+mn-ea"/>
+        <a:cs typeface="+mn-cs"/>
+      </a:defRPr>
+    </a:lvl1pPr>
+    <a:lvl2pPr marL="457200" algn="l" defTabSz="914400" rtl="0" eaLnBrk="1" latinLnBrk="0" hangingPunct="1">
+      <a:defRPr sz="1200" kern="1200">
+        <a:solidFill>
+          <a:schemeClr val="tx1"/>
+        </a:solidFill>
+        <a:latin typeface="+mn-lt"/>
+        <a:ea typeface="+mn-ea"/>
+        <a:cs typeface="+mn-cs"/>
+      </a:defRPr>
+    </a:lvl2pPr>
+    <a:lvl3pPr marL="914400" algn="l" defTabSz="914400" rtl="0" eaLnBrk="1" latinLnBrk="0" hangingPunct="1">
+      <a:defRPr sz="1200" kern="1200">
+        <a:solidFill>
+          <a:schemeClr val="tx1"/>
+        </a:solidFill>
+        <a:latin typeface="+mn-lt"/>
+        <a:ea typeface="+mn-ea"/>
+        <a:cs typeface="+mn-cs"/>
+      </a:defRPr>
+    </a:lvl3pPr>
+    <a:lvl4pPr marL="1371600" algn="l" defTabSz="914400" rtl="0" eaLnBrk="1" latinLnBrk="0" hangingPunct="1">
+      <a:defRPr sz="1200" kern="1200">
+        <a:solidFill>
+          <a:schemeClr val="tx1"/>
+        </a:solidFill>
+        <a:latin typeface="+mn-lt"/>
+        <a:ea typeface="+mn-ea"/>
+        <a:cs typeface="+mn-cs"/>
+      </a:defRPr>
+    </a:lvl4pPr>
+    <a:lvl5pPr marL="1828800" algn="l" defTabSz="914400" rtl="0" eaLnBrk="1" latinLnBrk="0" hangingPunct="1">
+      <a:defRPr sz="1200" kern="1200">
+        <a:solidFill>
+          <a:schemeClr val="tx1"/>
+        </a:solidFill>
+        <a:latin typeface="+mn-lt"/>
+        <a:ea typeface="+mn-ea"/>
+        <a:cs typeface="+mn-cs"/>
+      </a:defRPr>
+    </a:lvl5pPr>
+    <a:lvl6pPr marL="2286000" algn="l" defTabSz="914400" rtl="0" eaLnBrk="1" latinLnBrk="0" hangingPunct="1">
+      <a:defRPr sz="1200" kern="1200">
+        <a:solidFill>
+          <a:schemeClr val="tx1"/>
+        </a:solidFill>
+        <a:latin typeface="+mn-lt"/>
+        <a:ea typeface="+mn-ea"/>
+        <a:cs typeface="+mn-cs"/>
+      </a:defRPr>
+    </a:lvl6pPr>
+    <a:lvl7pPr marL="2743200" algn="l" defTabSz="914400" rtl="0" eaLnBrk="1" latinLnBrk="0" hangingPunct="1">
+      <a:defRPr sz="1200" kern="1200">
+        <a:solidFill>
+          <a:schemeClr val="tx1"/>
+        </a:solidFill>
+        <a:latin typeface="+mn-lt"/>
+        <a:ea typeface="+mn-ea"/>
+        <a:cs typeface="+mn-cs"/>
+      </a:defRPr>
+    </a:lvl7pPr>
+    <a:lvl8pPr marL="3200400" algn="l" defTabSz="914400" rtl="0" eaLnBrk="1" latinLnBrk="0" hangingPunct="1">
+      <a:defRPr sz="1200" kern="1200">
+        <a:solidFill>
+          <a:schemeClr val="tx1"/>
+        </a:solidFill>
+        <a:latin typeface="+mn-lt"/>
+        <a:ea typeface="+mn-ea"/>
+        <a:cs typeface="+mn-cs"/>
+      </a:defRPr>
+    </a:lvl8pPr>
+    <a:lvl9pPr marL="3657600" algn="l" defTabSz="914400" rtl="0" eaLnBrk="1" latinLnBrk="0" hangingPunct="1">
+      <a:defRPr sz="1200" kern="1200">
+        <a:solidFill>
+          <a:schemeClr val="tx1"/>
+        </a:solidFill>
+        <a:latin typeface="+mn-lt"/>
+        <a:ea typeface="+mn-ea"/>
+        <a:cs typeface="+mn-cs"/>
+      </a:defRPr>
+    </a:lvl9pPr>
+  </p:notesStyle>
+</p:notesMaster>
+</file>
+
+<file path=ppt/notesSlides/notesSlide1.xml><?xml version="1.0" encoding="utf-8"?>
+<p:notes xmlns:a="http://schemas.openxmlformats.org/drawingml/2006/main" xmlns:r="http://schemas.openxmlformats.org/officeDocument/2006/relationships" xmlns:p="http://schemas.openxmlformats.org/presentationml/2006/main">
+  <p:cSld>
+    <p:spTree>
+      <p:nvGrpSpPr>
+        <p:cNvPr id="1" name=""/>
+        <p:cNvGrpSpPr/>
+        <p:nvPr/>
+      </p:nvGrpSpPr>
+      <p:grpSpPr>
+        <a:xfrm>
+          <a:off x="0" y="0"/>
+          <a:ext cx="0" cy="0"/>
+          <a:chOff x="0" y="0"/>
+          <a:chExt cx="0" cy="0"/>
+        </a:xfrm>
+      </p:grpSpPr>
+      <p:sp>
+        <p:nvSpPr>
+          <p:cNvPr id="2" name="Образ слайда 1"/>
+          <p:cNvSpPr>
+            <a:spLocks noGrp="1" noRot="1" noChangeAspect="1"/>
+          </p:cNvSpPr>
+          <p:nvPr>
+            <p:ph type="sldImg"/>
+          </p:nvPr>
+        </p:nvSpPr>
+        <p:spPr/>
+      </p:sp>
+      <p:sp>
+        <p:nvSpPr>
+          <p:cNvPr id="3" name="Заметки 2"/>
+          <p:cNvSpPr>
+            <a:spLocks noGrp="1"/>
+          </p:cNvSpPr>
+          <p:nvPr>
+            <p:ph type="body" idx="1"/>
+          </p:nvPr>
+        </p:nvSpPr>
+        <p:spPr/>
+        <p:txBody>
+          <a:bodyPr/>
+          <a:lstStyle/>
+          <a:p>
+            <a:endParaRPr lang="ru-RU"/>
+          </a:p>
+        </p:txBody>
+      </p:sp>
+      <p:sp>
+        <p:nvSpPr>
+          <p:cNvPr id="4" name="Номер слайда 3"/>
+          <p:cNvSpPr>
+            <a:spLocks noGrp="1"/>
+          </p:cNvSpPr>
+          <p:nvPr>
+            <p:ph type="sldNum" sz="quarter" idx="10"/>
+          </p:nvPr>
+        </p:nvSpPr>
+        <p:spPr/>
+        <p:txBody>
+          <a:bodyPr/>
+          <a:lstStyle/>
+          <a:p>
+            <a:fld id="{EE627FFE-BC01-412F-8DDF-B9EA07E906CB}" type="slidenum">
+              <a:rPr lang="ru-RU" smtClean="0"/>
+              <a:t>14</a:t>
+            </a:fld>
+            <a:endParaRPr lang="ru-RU"/>
+          </a:p>
+        </p:txBody>
+      </p:sp>
+    </p:spTree>
+    <p:extLst>
+      <p:ext uri="{BB962C8B-B14F-4D97-AF65-F5344CB8AC3E}">
+        <p14:creationId xmlns:p14="http://schemas.microsoft.com/office/powerpoint/2010/main" val="4263577471"/>
+      </p:ext>
+    </p:extLst>
+  </p:cSld>
+  <p:clrMapOvr>
+    <a:masterClrMapping/>
+  </p:clrMapOvr>
+</p:notes>
 </file>
 
 <file path=ppt/slideLayouts/slideLayout1.xml><?xml version="1.0" encoding="utf-8"?>
@@ -844,9 +1282,9 @@
           <a:bodyPr/>
           <a:lstStyle/>
           <a:p>
-            <a:fld id="{20350E89-74FD-488E-80BA-0ECBF7ECBB64}" type="datetimeFigureOut">
-              <a:rPr lang="ru-RU" smtClean="0"/>
-              <a:t>08.04.2014</a:t>
+            <a:fld id="{FE71658E-1953-463D-8998-71577F2A7F79}" type="datetime1">
+              <a:rPr lang="ru-RU" smtClean="0"/>
+              <a:t>29.08.2015</a:t>
             </a:fld>
             <a:endParaRPr lang="ru-RU"/>
           </a:p>
@@ -867,6 +1305,10 @@
           <a:bodyPr/>
           <a:lstStyle/>
           <a:p>
+            <a:r>
+              <a:rPr lang="en-US" smtClean="0"/>
+              <a:t>dmitry@protopopov.ru</a:t>
+            </a:r>
             <a:endParaRPr lang="ru-RU"/>
           </a:p>
         </p:txBody>
@@ -1095,9 +1537,9 @@
           <a:bodyPr/>
           <a:lstStyle/>
           <a:p>
-            <a:fld id="{20350E89-74FD-488E-80BA-0ECBF7ECBB64}" type="datetimeFigureOut">
-              <a:rPr lang="ru-RU" smtClean="0"/>
-              <a:t>08.04.2014</a:t>
+            <a:fld id="{A2C25FA3-E7AF-4589-B84E-701DC24CCCA9}" type="datetime1">
+              <a:rPr lang="ru-RU" smtClean="0"/>
+              <a:t>29.08.2015</a:t>
             </a:fld>
             <a:endParaRPr lang="ru-RU"/>
           </a:p>
@@ -1118,6 +1560,10 @@
           <a:bodyPr/>
           <a:lstStyle/>
           <a:p>
+            <a:r>
+              <a:rPr lang="en-US" smtClean="0"/>
+              <a:t>dmitry@protopopov.ru</a:t>
+            </a:r>
             <a:endParaRPr lang="ru-RU"/>
           </a:p>
         </p:txBody>
@@ -1409,9 +1855,9 @@
           <a:bodyPr/>
           <a:lstStyle/>
           <a:p>
-            <a:fld id="{20350E89-74FD-488E-80BA-0ECBF7ECBB64}" type="datetimeFigureOut">
-              <a:rPr lang="ru-RU" smtClean="0"/>
-              <a:t>08.04.2014</a:t>
+            <a:fld id="{6C2A4EF0-A483-417C-987E-BE3A979EE057}" type="datetime1">
+              <a:rPr lang="ru-RU" smtClean="0"/>
+              <a:t>29.08.2015</a:t>
             </a:fld>
             <a:endParaRPr lang="ru-RU"/>
           </a:p>
@@ -1432,6 +1878,10 @@
           <a:bodyPr/>
           <a:lstStyle/>
           <a:p>
+            <a:r>
+              <a:rPr lang="en-US" smtClean="0"/>
+              <a:t>dmitry@protopopov.ru</a:t>
+            </a:r>
             <a:endParaRPr lang="ru-RU"/>
           </a:p>
         </p:txBody>
@@ -1750,9 +2200,9 @@
           <a:bodyPr/>
           <a:lstStyle/>
           <a:p>
-            <a:fld id="{20350E89-74FD-488E-80BA-0ECBF7ECBB64}" type="datetimeFigureOut">
-              <a:rPr lang="ru-RU" smtClean="0"/>
-              <a:t>08.04.2014</a:t>
+            <a:fld id="{1A11E35F-0A04-4B5C-B02F-FEEDFCAA7B53}" type="datetime1">
+              <a:rPr lang="ru-RU" smtClean="0"/>
+              <a:t>29.08.2015</a:t>
             </a:fld>
             <a:endParaRPr lang="ru-RU"/>
           </a:p>
@@ -1773,6 +2223,10 @@
           <a:bodyPr/>
           <a:lstStyle/>
           <a:p>
+            <a:r>
+              <a:rPr lang="en-US" smtClean="0"/>
+              <a:t>dmitry@protopopov.ru</a:t>
+            </a:r>
             <a:endParaRPr lang="ru-RU"/>
           </a:p>
         </p:txBody>
@@ -2064,9 +2518,9 @@
           <a:bodyPr/>
           <a:lstStyle/>
           <a:p>
-            <a:fld id="{20350E89-74FD-488E-80BA-0ECBF7ECBB64}" type="datetimeFigureOut">
-              <a:rPr lang="ru-RU" smtClean="0"/>
-              <a:t>08.04.2014</a:t>
+            <a:fld id="{BA22DA63-B99D-4289-BA61-8154537E1667}" type="datetime1">
+              <a:rPr lang="ru-RU" smtClean="0"/>
+              <a:t>29.08.2015</a:t>
             </a:fld>
             <a:endParaRPr lang="ru-RU"/>
           </a:p>
@@ -2087,6 +2541,10 @@
           <a:bodyPr/>
           <a:lstStyle/>
           <a:p>
+            <a:r>
+              <a:rPr lang="en-US" smtClean="0"/>
+              <a:t>dmitry@protopopov.ru</a:t>
+            </a:r>
             <a:endParaRPr lang="ru-RU"/>
           </a:p>
         </p:txBody>
@@ -2457,9 +2915,9 @@
           <a:bodyPr/>
           <a:lstStyle/>
           <a:p>
-            <a:fld id="{20350E89-74FD-488E-80BA-0ECBF7ECBB64}" type="datetimeFigureOut">
-              <a:rPr lang="ru-RU" smtClean="0"/>
-              <a:t>08.04.2014</a:t>
+            <a:fld id="{8A1EA79C-4451-4968-AE87-7DDEE4EEA976}" type="datetime1">
+              <a:rPr lang="ru-RU" smtClean="0"/>
+              <a:t>29.08.2015</a:t>
             </a:fld>
             <a:endParaRPr lang="ru-RU"/>
           </a:p>
@@ -2480,6 +2938,10 @@
           <a:bodyPr/>
           <a:lstStyle/>
           <a:p>
+            <a:r>
+              <a:rPr lang="en-US" smtClean="0"/>
+              <a:t>dmitry@protopopov.ru</a:t>
+            </a:r>
             <a:endParaRPr lang="ru-RU"/>
           </a:p>
         </p:txBody>
@@ -2627,9 +3089,9 @@
           <a:bodyPr/>
           <a:lstStyle/>
           <a:p>
-            <a:fld id="{20350E89-74FD-488E-80BA-0ECBF7ECBB64}" type="datetimeFigureOut">
-              <a:rPr lang="ru-RU" smtClean="0"/>
-              <a:t>08.04.2014</a:t>
+            <a:fld id="{DC6851EC-5E11-4828-9434-26259668B39E}" type="datetime1">
+              <a:rPr lang="ru-RU" smtClean="0"/>
+              <a:t>29.08.2015</a:t>
             </a:fld>
             <a:endParaRPr lang="ru-RU"/>
           </a:p>
@@ -2650,6 +3112,10 @@
           <a:bodyPr/>
           <a:lstStyle/>
           <a:p>
+            <a:r>
+              <a:rPr lang="en-US" smtClean="0"/>
+              <a:t>dmitry@protopopov.ru</a:t>
+            </a:r>
             <a:endParaRPr lang="ru-RU"/>
           </a:p>
         </p:txBody>
@@ -2807,9 +3273,9 @@
           <a:bodyPr/>
           <a:lstStyle/>
           <a:p>
-            <a:fld id="{20350E89-74FD-488E-80BA-0ECBF7ECBB64}" type="datetimeFigureOut">
-              <a:rPr lang="ru-RU" smtClean="0"/>
-              <a:t>08.04.2014</a:t>
+            <a:fld id="{DD56DADE-A2AD-48B5-AA82-50B4F57F77D2}" type="datetime1">
+              <a:rPr lang="ru-RU" smtClean="0"/>
+              <a:t>29.08.2015</a:t>
             </a:fld>
             <a:endParaRPr lang="ru-RU"/>
           </a:p>
@@ -2830,6 +3296,10 @@
           <a:bodyPr/>
           <a:lstStyle/>
           <a:p>
+            <a:r>
+              <a:rPr lang="en-US" smtClean="0"/>
+              <a:t>dmitry@protopopov.ru</a:t>
+            </a:r>
             <a:endParaRPr lang="ru-RU"/>
           </a:p>
         </p:txBody>
@@ -2983,9 +3453,9 @@
           <a:bodyPr/>
           <a:lstStyle/>
           <a:p>
-            <a:fld id="{20350E89-74FD-488E-80BA-0ECBF7ECBB64}" type="datetimeFigureOut">
-              <a:rPr lang="ru-RU" smtClean="0"/>
-              <a:t>08.04.2014</a:t>
+            <a:fld id="{5056E59C-7933-4346-840B-A6BC77743C82}" type="datetime1">
+              <a:rPr lang="ru-RU" smtClean="0"/>
+              <a:t>29.08.2015</a:t>
             </a:fld>
             <a:endParaRPr lang="ru-RU"/>
           </a:p>
@@ -3006,6 +3476,10 @@
           <a:bodyPr/>
           <a:lstStyle/>
           <a:p>
+            <a:r>
+              <a:rPr lang="en-US" smtClean="0"/>
+              <a:t>dmitry@protopopov.ru</a:t>
+            </a:r>
             <a:endParaRPr lang="ru-RU"/>
           </a:p>
         </p:txBody>
@@ -3230,9 +3704,9 @@
           <a:bodyPr/>
           <a:lstStyle/>
           <a:p>
-            <a:fld id="{20350E89-74FD-488E-80BA-0ECBF7ECBB64}" type="datetimeFigureOut">
-              <a:rPr lang="ru-RU" smtClean="0"/>
-              <a:t>08.04.2014</a:t>
+            <a:fld id="{953165B2-0763-4D7C-B508-FE935D43757C}" type="datetime1">
+              <a:rPr lang="ru-RU" smtClean="0"/>
+              <a:t>29.08.2015</a:t>
             </a:fld>
             <a:endParaRPr lang="ru-RU"/>
           </a:p>
@@ -3253,6 +3727,10 @@
           <a:bodyPr/>
           <a:lstStyle/>
           <a:p>
+            <a:r>
+              <a:rPr lang="en-US" smtClean="0"/>
+              <a:t>dmitry@protopopov.ru</a:t>
+            </a:r>
             <a:endParaRPr lang="ru-RU"/>
           </a:p>
         </p:txBody>
@@ -3462,9 +3940,9 @@
           <a:bodyPr/>
           <a:lstStyle/>
           <a:p>
-            <a:fld id="{20350E89-74FD-488E-80BA-0ECBF7ECBB64}" type="datetimeFigureOut">
-              <a:rPr lang="ru-RU" smtClean="0"/>
-              <a:t>08.04.2014</a:t>
+            <a:fld id="{28F9AACF-9964-43DE-A61A-1766F6DEB6D5}" type="datetime1">
+              <a:rPr lang="ru-RU" smtClean="0"/>
+              <a:t>29.08.2015</a:t>
             </a:fld>
             <a:endParaRPr lang="ru-RU"/>
           </a:p>
@@ -3485,6 +3963,10 @@
           <a:bodyPr/>
           <a:lstStyle/>
           <a:p>
+            <a:r>
+              <a:rPr lang="en-US" smtClean="0"/>
+              <a:t>dmitry@protopopov.ru</a:t>
+            </a:r>
             <a:endParaRPr lang="ru-RU"/>
           </a:p>
         </p:txBody>
@@ -3836,9 +4318,9 @@
           <a:bodyPr/>
           <a:lstStyle/>
           <a:p>
-            <a:fld id="{20350E89-74FD-488E-80BA-0ECBF7ECBB64}" type="datetimeFigureOut">
-              <a:rPr lang="ru-RU" smtClean="0"/>
-              <a:t>08.04.2014</a:t>
+            <a:fld id="{92E070CC-9A48-4F0B-84AE-DF707F87E117}" type="datetime1">
+              <a:rPr lang="ru-RU" smtClean="0"/>
+              <a:t>29.08.2015</a:t>
             </a:fld>
             <a:endParaRPr lang="ru-RU"/>
           </a:p>
@@ -3859,6 +4341,10 @@
           <a:bodyPr/>
           <a:lstStyle/>
           <a:p>
+            <a:r>
+              <a:rPr lang="en-US" smtClean="0"/>
+              <a:t>dmitry@protopopov.ru</a:t>
+            </a:r>
             <a:endParaRPr lang="ru-RU"/>
           </a:p>
         </p:txBody>
@@ -3959,9 +4445,9 @@
           <a:bodyPr/>
           <a:lstStyle/>
           <a:p>
-            <a:fld id="{20350E89-74FD-488E-80BA-0ECBF7ECBB64}" type="datetimeFigureOut">
-              <a:rPr lang="ru-RU" smtClean="0"/>
-              <a:t>08.04.2014</a:t>
+            <a:fld id="{3CAA345E-B6DA-45C4-91F2-8323ED19945E}" type="datetime1">
+              <a:rPr lang="ru-RU" smtClean="0"/>
+              <a:t>29.08.2015</a:t>
             </a:fld>
             <a:endParaRPr lang="ru-RU"/>
           </a:p>
@@ -3982,6 +4468,10 @@
           <a:bodyPr/>
           <a:lstStyle/>
           <a:p>
+            <a:r>
+              <a:rPr lang="en-US" smtClean="0"/>
+              <a:t>dmitry@protopopov.ru</a:t>
+            </a:r>
             <a:endParaRPr lang="ru-RU"/>
           </a:p>
         </p:txBody>
@@ -4054,9 +4544,9 @@
           <a:bodyPr/>
           <a:lstStyle/>
           <a:p>
-            <a:fld id="{20350E89-74FD-488E-80BA-0ECBF7ECBB64}" type="datetimeFigureOut">
-              <a:rPr lang="ru-RU" smtClean="0"/>
-              <a:t>08.04.2014</a:t>
+            <a:fld id="{DCD48107-6D9C-4568-8449-11CFE874E010}" type="datetime1">
+              <a:rPr lang="ru-RU" smtClean="0"/>
+              <a:t>29.08.2015</a:t>
             </a:fld>
             <a:endParaRPr lang="ru-RU"/>
           </a:p>
@@ -4077,6 +4567,10 @@
           <a:bodyPr/>
           <a:lstStyle/>
           <a:p>
+            <a:r>
+              <a:rPr lang="en-US" smtClean="0"/>
+              <a:t>dmitry@protopopov.ru</a:t>
+            </a:r>
             <a:endParaRPr lang="ru-RU"/>
           </a:p>
         </p:txBody>
@@ -4309,9 +4803,9 @@
           <a:bodyPr/>
           <a:lstStyle/>
           <a:p>
-            <a:fld id="{20350E89-74FD-488E-80BA-0ECBF7ECBB64}" type="datetimeFigureOut">
-              <a:rPr lang="ru-RU" smtClean="0"/>
-              <a:t>08.04.2014</a:t>
+            <a:fld id="{D75F1112-5534-46D6-99D8-05CD375D1A48}" type="datetime1">
+              <a:rPr lang="ru-RU" smtClean="0"/>
+              <a:t>29.08.2015</a:t>
             </a:fld>
             <a:endParaRPr lang="ru-RU"/>
           </a:p>
@@ -4332,6 +4826,10 @@
           <a:bodyPr/>
           <a:lstStyle/>
           <a:p>
+            <a:r>
+              <a:rPr lang="en-US" smtClean="0"/>
+              <a:t>dmitry@protopopov.ru</a:t>
+            </a:r>
             <a:endParaRPr lang="ru-RU"/>
           </a:p>
         </p:txBody>
@@ -4572,9 +5070,9 @@
           <a:bodyPr/>
           <a:lstStyle/>
           <a:p>
-            <a:fld id="{20350E89-74FD-488E-80BA-0ECBF7ECBB64}" type="datetimeFigureOut">
-              <a:rPr lang="ru-RU" smtClean="0"/>
-              <a:t>08.04.2014</a:t>
+            <a:fld id="{ADE82A51-5D9F-426A-AE77-9BE06E506A8B}" type="datetime1">
+              <a:rPr lang="ru-RU" smtClean="0"/>
+              <a:t>29.08.2015</a:t>
             </a:fld>
             <a:endParaRPr lang="ru-RU"/>
           </a:p>
@@ -4595,6 +5093,10 @@
           <a:bodyPr/>
           <a:lstStyle/>
           <a:p>
+            <a:r>
+              <a:rPr lang="en-US" smtClean="0"/>
+              <a:t>dmitry@protopopov.ru</a:t>
+            </a:r>
             <a:endParaRPr lang="ru-RU"/>
           </a:p>
         </p:txBody>
@@ -5315,9 +5817,9 @@
             </a:lvl1pPr>
           </a:lstStyle>
           <a:p>
-            <a:fld id="{20350E89-74FD-488E-80BA-0ECBF7ECBB64}" type="datetimeFigureOut">
-              <a:rPr lang="ru-RU" smtClean="0"/>
-              <a:t>08.04.2014</a:t>
+            <a:fld id="{4F81E738-EE76-4701-A36E-ECA5B82A530B}" type="datetime1">
+              <a:rPr lang="ru-RU" smtClean="0"/>
+              <a:t>29.08.2015</a:t>
             </a:fld>
             <a:endParaRPr lang="ru-RU"/>
           </a:p>
@@ -5356,6 +5858,10 @@
             </a:lvl1pPr>
           </a:lstStyle>
           <a:p>
+            <a:r>
+              <a:rPr lang="en-US" smtClean="0"/>
+              <a:t>dmitry@protopopov.ru</a:t>
+            </a:r>
             <a:endParaRPr lang="ru-RU"/>
           </a:p>
         </p:txBody>
@@ -5425,6 +5931,7 @@
     <p:sldLayoutId id="2147483739" r:id="rId15"/>
     <p:sldLayoutId id="2147483740" r:id="rId16"/>
   </p:sldLayoutIdLst>
+  <p:hf sldNum="0" hdr="0" dt="0"/>
   <p:txStyles>
     <p:titleStyle>
       <a:lvl1pPr algn="l" defTabSz="457200" rtl="0" eaLnBrk="1" latinLnBrk="0" hangingPunct="1">
@@ -6023,6 +6530,29 @@
           </a:p>
         </p:txBody>
       </p:sp>
+      <p:sp>
+        <p:nvSpPr>
+          <p:cNvPr id="4" name="Нижний колонтитул 3"/>
+          <p:cNvSpPr>
+            <a:spLocks noGrp="1"/>
+          </p:cNvSpPr>
+          <p:nvPr>
+            <p:ph type="ftr" sz="quarter" idx="11"/>
+          </p:nvPr>
+        </p:nvSpPr>
+        <p:spPr/>
+        <p:txBody>
+          <a:bodyPr/>
+          <a:lstStyle/>
+          <a:p>
+            <a:r>
+              <a:rPr lang="en-US" smtClean="0"/>
+              <a:t>dmitry@protopopov.ru</a:t>
+            </a:r>
+            <a:endParaRPr lang="ru-RU"/>
+          </a:p>
+        </p:txBody>
+      </p:sp>
     </p:spTree>
     <p:extLst>
       <p:ext uri="{BB962C8B-B14F-4D97-AF65-F5344CB8AC3E}">
@@ -6177,6 +6707,29 @@
           </a:p>
         </p:txBody>
       </p:sp>
+      <p:sp>
+        <p:nvSpPr>
+          <p:cNvPr id="4" name="Нижний колонтитул 3"/>
+          <p:cNvSpPr>
+            <a:spLocks noGrp="1"/>
+          </p:cNvSpPr>
+          <p:nvPr>
+            <p:ph type="ftr" sz="quarter" idx="11"/>
+          </p:nvPr>
+        </p:nvSpPr>
+        <p:spPr/>
+        <p:txBody>
+          <a:bodyPr/>
+          <a:lstStyle/>
+          <a:p>
+            <a:r>
+              <a:rPr lang="en-US" smtClean="0"/>
+              <a:t>dmitry@protopopov.ru</a:t>
+            </a:r>
+            <a:endParaRPr lang="ru-RU"/>
+          </a:p>
+        </p:txBody>
+      </p:sp>
     </p:spTree>
     <p:extLst>
       <p:ext uri="{BB962C8B-B14F-4D97-AF65-F5344CB8AC3E}">
@@ -6272,15 +6825,7 @@
             </a:r>
             <a:r>
               <a:rPr lang="ru-RU" dirty="0" smtClean="0"/>
-              <a:t> рассылает </a:t>
-            </a:r>
-            <a:r>
-              <a:rPr lang="ru-RU" dirty="0" err="1" smtClean="0"/>
-              <a:t>брэдкастом</a:t>
-            </a:r>
-            <a:r>
-              <a:rPr lang="ru-RU" dirty="0" smtClean="0"/>
-              <a:t> для всех процессов</a:t>
+              <a:t> рассылает брэдкастом для всех процессов</a:t>
             </a:r>
           </a:p>
           <a:p>
@@ -6290,15 +6835,7 @@
             </a:pPr>
             <a:r>
               <a:rPr lang="ru-RU" dirty="0" smtClean="0"/>
-              <a:t>Каждый процесс получает из </a:t>
-            </a:r>
-            <a:r>
-              <a:rPr lang="ru-RU" dirty="0" err="1" smtClean="0"/>
-              <a:t>брэдкаста</a:t>
-            </a:r>
-            <a:r>
-              <a:rPr lang="ru-RU" dirty="0" smtClean="0"/>
-              <a:t> элемент</a:t>
+              <a:t>Каждый процесс получает из брэдкаста элемент</a:t>
             </a:r>
             <a:r>
               <a:rPr lang="en-US" dirty="0" smtClean="0"/>
@@ -6457,6 +6994,29 @@
               <a:buAutoNum type="arabicPeriod"/>
             </a:pPr>
             <a:endParaRPr lang="ru-RU" dirty="0"/>
+          </a:p>
+        </p:txBody>
+      </p:sp>
+      <p:sp>
+        <p:nvSpPr>
+          <p:cNvPr id="4" name="Нижний колонтитул 3"/>
+          <p:cNvSpPr>
+            <a:spLocks noGrp="1"/>
+          </p:cNvSpPr>
+          <p:nvPr>
+            <p:ph type="ftr" sz="quarter" idx="11"/>
+          </p:nvPr>
+        </p:nvSpPr>
+        <p:spPr/>
+        <p:txBody>
+          <a:bodyPr/>
+          <a:lstStyle/>
+          <a:p>
+            <a:r>
+              <a:rPr lang="en-US" smtClean="0"/>
+              <a:t>dmitry@protopopov.ru</a:t>
+            </a:r>
+            <a:endParaRPr lang="ru-RU"/>
           </a:p>
         </p:txBody>
       </p:sp>
@@ -6745,12 +7305,8 @@
               <a:t>отсортированных </a:t>
             </a:r>
             <a:r>
-              <a:rPr lang="ru-RU" dirty="0" err="1" smtClean="0"/>
-              <a:t>подмассивов</a:t>
-            </a:r>
-            <a:r>
-              <a:rPr lang="ru-RU" dirty="0" smtClean="0"/>
-              <a:t> </a:t>
+              <a:rPr lang="ru-RU" dirty="0" smtClean="0"/>
+              <a:t>подмассивов </a:t>
             </a:r>
           </a:p>
           <a:p>
@@ -6766,10 +7322,211 @@
           </a:p>
         </p:txBody>
       </p:sp>
+      <p:sp>
+        <p:nvSpPr>
+          <p:cNvPr id="4" name="Нижний колонтитул 3"/>
+          <p:cNvSpPr>
+            <a:spLocks noGrp="1"/>
+          </p:cNvSpPr>
+          <p:nvPr>
+            <p:ph type="ftr" sz="quarter" idx="11"/>
+          </p:nvPr>
+        </p:nvSpPr>
+        <p:spPr/>
+        <p:txBody>
+          <a:bodyPr/>
+          <a:lstStyle/>
+          <a:p>
+            <a:r>
+              <a:rPr lang="en-US" smtClean="0"/>
+              <a:t>dmitry@protopopov.ru</a:t>
+            </a:r>
+            <a:endParaRPr lang="ru-RU"/>
+          </a:p>
+        </p:txBody>
+      </p:sp>
     </p:spTree>
     <p:extLst>
       <p:ext uri="{BB962C8B-B14F-4D97-AF65-F5344CB8AC3E}">
         <p14:creationId xmlns:p14="http://schemas.microsoft.com/office/powerpoint/2010/main" val="3307064887"/>
+      </p:ext>
+    </p:extLst>
+  </p:cSld>
+  <p:clrMapOvr>
+    <a:masterClrMapping/>
+  </p:clrMapOvr>
+</p:sld>
+</file>
+
+<file path=ppt/slides/slide14.xml><?xml version="1.0" encoding="utf-8"?>
+<p:sld xmlns:a="http://schemas.openxmlformats.org/drawingml/2006/main" xmlns:r="http://schemas.openxmlformats.org/officeDocument/2006/relationships" xmlns:p="http://schemas.openxmlformats.org/presentationml/2006/main">
+  <p:cSld>
+    <p:spTree>
+      <p:nvGrpSpPr>
+        <p:cNvPr id="1" name=""/>
+        <p:cNvGrpSpPr/>
+        <p:nvPr/>
+      </p:nvGrpSpPr>
+      <p:grpSpPr>
+        <a:xfrm>
+          <a:off x="0" y="0"/>
+          <a:ext cx="0" cy="0"/>
+          <a:chOff x="0" y="0"/>
+          <a:chExt cx="0" cy="0"/>
+        </a:xfrm>
+      </p:grpSpPr>
+      <p:sp>
+        <p:nvSpPr>
+          <p:cNvPr id="2" name="Заголовок 1"/>
+          <p:cNvSpPr>
+            <a:spLocks noGrp="1"/>
+          </p:cNvSpPr>
+          <p:nvPr>
+            <p:ph type="title"/>
+          </p:nvPr>
+        </p:nvSpPr>
+        <p:spPr/>
+        <p:txBody>
+          <a:bodyPr/>
+          <a:lstStyle/>
+          <a:p>
+            <a:r>
+              <a:rPr lang="ru-RU" dirty="0" smtClean="0"/>
+              <a:t>Спасибо за внимание</a:t>
+            </a:r>
+            <a:endParaRPr lang="ru-RU" dirty="0"/>
+          </a:p>
+        </p:txBody>
+      </p:sp>
+      <p:sp>
+        <p:nvSpPr>
+          <p:cNvPr id="3" name="Объект 2"/>
+          <p:cNvSpPr>
+            <a:spLocks noGrp="1"/>
+          </p:cNvSpPr>
+          <p:nvPr>
+            <p:ph idx="1"/>
+          </p:nvPr>
+        </p:nvSpPr>
+        <p:spPr/>
+        <p:txBody>
+          <a:bodyPr/>
+          <a:lstStyle/>
+          <a:p>
+            <a:r>
+              <a:rPr lang="ru-RU" dirty="0" smtClean="0"/>
+              <a:t>Контакты</a:t>
+            </a:r>
+            <a:endParaRPr lang="en-US" dirty="0" smtClean="0"/>
+          </a:p>
+          <a:p>
+            <a:pPr lvl="1"/>
+            <a:r>
+              <a:rPr lang="ru-RU" dirty="0" smtClean="0"/>
+              <a:t>Дмитрий Протопопов</a:t>
+            </a:r>
+            <a:r>
+              <a:rPr lang="en-US" dirty="0" smtClean="0"/>
+              <a:t>, </a:t>
+            </a:r>
+            <a:r>
+              <a:rPr lang="ru-RU" dirty="0" smtClean="0"/>
+              <a:t>Москва, Россия</a:t>
+            </a:r>
+            <a:r>
+              <a:rPr lang="en-US" dirty="0"/>
+              <a:t/>
+            </a:r>
+            <a:br>
+              <a:rPr lang="en-US" dirty="0"/>
+            </a:br>
+            <a:r>
+              <a:rPr lang="en-US" dirty="0"/>
+              <a:t> </a:t>
+            </a:r>
+            <a:r>
+              <a:rPr lang="en-US" dirty="0">
+                <a:hlinkClick r:id="rId3"/>
+              </a:rPr>
+              <a:t>dmitry@protopopov.ru</a:t>
+            </a:r>
+            <a:r>
+              <a:rPr lang="en-US" dirty="0"/>
+              <a:t> </a:t>
+            </a:r>
+            <a:br>
+              <a:rPr lang="en-US" dirty="0"/>
+            </a:br>
+            <a:r>
+              <a:rPr lang="en-US" dirty="0"/>
+              <a:t>+7 916 </a:t>
+            </a:r>
+            <a:r>
+              <a:rPr lang="en-US" dirty="0" smtClean="0"/>
+              <a:t>6969591</a:t>
+            </a:r>
+          </a:p>
+          <a:p>
+            <a:pPr marL="457200" lvl="1" indent="0">
+              <a:buNone/>
+            </a:pPr>
+            <a:endParaRPr lang="ru-RU" dirty="0" smtClean="0"/>
+          </a:p>
+          <a:p>
+            <a:pPr marL="457200" lvl="1" indent="0">
+              <a:buNone/>
+            </a:pPr>
+            <a:r>
+              <a:rPr lang="ru-RU" dirty="0" smtClean="0"/>
+              <a:t>Исходные коды и примеры использования доступны по адресу </a:t>
+            </a:r>
+            <a:r>
+              <a:rPr lang="en-US" dirty="0">
+                <a:hlinkClick r:id="rId4"/>
+              </a:rPr>
+              <a:t>https://</a:t>
+            </a:r>
+            <a:r>
+              <a:rPr lang="en-US" dirty="0" smtClean="0">
+                <a:hlinkClick r:id="rId4"/>
+              </a:rPr>
+              <a:t>github.com/dprotopopov/ParallelSorting</a:t>
+            </a:r>
+            <a:endParaRPr lang="ru-RU" dirty="0" smtClean="0"/>
+          </a:p>
+          <a:p>
+            <a:pPr lvl="1"/>
+            <a:endParaRPr lang="en-US" dirty="0" smtClean="0"/>
+          </a:p>
+        </p:txBody>
+      </p:sp>
+      <p:sp>
+        <p:nvSpPr>
+          <p:cNvPr id="4" name="Нижний колонтитул 3"/>
+          <p:cNvSpPr>
+            <a:spLocks noGrp="1"/>
+          </p:cNvSpPr>
+          <p:nvPr>
+            <p:ph type="ftr" sz="quarter" idx="11"/>
+          </p:nvPr>
+        </p:nvSpPr>
+        <p:spPr/>
+        <p:txBody>
+          <a:bodyPr/>
+          <a:lstStyle/>
+          <a:p>
+            <a:r>
+              <a:rPr lang="en-US" dirty="0" smtClean="0"/>
+              <a:t>dmitry@protopopov.ru</a:t>
+            </a:r>
+            <a:endParaRPr lang="ru-RU" dirty="0"/>
+          </a:p>
+        </p:txBody>
+      </p:sp>
+    </p:spTree>
+    <p:extLst>
+      <p:ext uri="{BB962C8B-B14F-4D97-AF65-F5344CB8AC3E}">
+        <p14:creationId xmlns:p14="http://schemas.microsoft.com/office/powerpoint/2010/main" val="265283515"/>
       </p:ext>
     </p:extLst>
   </p:cSld>
@@ -6845,20 +7602,8 @@
               <a:t>сортировке (</a:t>
             </a:r>
             <a:r>
-              <a:rPr lang="ru-RU" dirty="0" err="1"/>
-              <a:t>Bucket</a:t>
-            </a:r>
-            <a:r>
               <a:rPr lang="ru-RU" dirty="0"/>
-              <a:t> </a:t>
-            </a:r>
-            <a:r>
-              <a:rPr lang="ru-RU" dirty="0" err="1"/>
-              <a:t>sort</a:t>
-            </a:r>
-            <a:r>
-              <a:rPr lang="ru-RU" dirty="0"/>
-              <a:t>) сортируемые элементы </a:t>
+              <a:t>Bucket sort) сортируемые элементы </a:t>
             </a:r>
             <a:r>
               <a:rPr lang="ru-RU" dirty="0" smtClean="0"/>
@@ -6956,6 +7701,29 @@
           <a:p>
             <a:pPr algn="just"/>
             <a:endParaRPr lang="ru-RU" dirty="0"/>
+          </a:p>
+        </p:txBody>
+      </p:sp>
+      <p:sp>
+        <p:nvSpPr>
+          <p:cNvPr id="4" name="Нижний колонтитул 3"/>
+          <p:cNvSpPr>
+            <a:spLocks noGrp="1"/>
+          </p:cNvSpPr>
+          <p:nvPr>
+            <p:ph type="ftr" sz="quarter" idx="11"/>
+          </p:nvPr>
+        </p:nvSpPr>
+        <p:spPr/>
+        <p:txBody>
+          <a:bodyPr/>
+          <a:lstStyle/>
+          <a:p>
+            <a:r>
+              <a:rPr lang="en-US" smtClean="0"/>
+              <a:t>dmitry@protopopov.ru</a:t>
+            </a:r>
+            <a:endParaRPr lang="ru-RU"/>
           </a:p>
         </p:txBody>
       </p:sp>
@@ -7095,6 +7863,29 @@
               <a:t>Производится соединение корзин в порядке их номеров</a:t>
             </a:r>
             <a:endParaRPr lang="ru-RU" dirty="0"/>
+          </a:p>
+        </p:txBody>
+      </p:sp>
+      <p:sp>
+        <p:nvSpPr>
+          <p:cNvPr id="4" name="Нижний колонтитул 3"/>
+          <p:cNvSpPr>
+            <a:spLocks noGrp="1"/>
+          </p:cNvSpPr>
+          <p:nvPr>
+            <p:ph type="ftr" sz="quarter" idx="11"/>
+          </p:nvPr>
+        </p:nvSpPr>
+        <p:spPr/>
+        <p:txBody>
+          <a:bodyPr/>
+          <a:lstStyle/>
+          <a:p>
+            <a:r>
+              <a:rPr lang="en-US" smtClean="0"/>
+              <a:t>dmitry@protopopov.ru</a:t>
+            </a:r>
+            <a:endParaRPr lang="ru-RU"/>
           </a:p>
         </p:txBody>
       </p:sp>
@@ -8170,6 +8961,29 @@
           </a:p>
         </p:txBody>
       </p:sp>
+      <p:sp>
+        <p:nvSpPr>
+          <p:cNvPr id="2" name="Нижний колонтитул 1"/>
+          <p:cNvSpPr>
+            <a:spLocks noGrp="1"/>
+          </p:cNvSpPr>
+          <p:nvPr>
+            <p:ph type="ftr" sz="quarter" idx="11"/>
+          </p:nvPr>
+        </p:nvSpPr>
+        <p:spPr/>
+        <p:txBody>
+          <a:bodyPr/>
+          <a:lstStyle/>
+          <a:p>
+            <a:r>
+              <a:rPr lang="en-US" smtClean="0"/>
+              <a:t>dmitry@protopopov.ru</a:t>
+            </a:r>
+            <a:endParaRPr lang="ru-RU"/>
+          </a:p>
+        </p:txBody>
+      </p:sp>
     </p:spTree>
     <p:extLst>
       <p:ext uri="{BB962C8B-B14F-4D97-AF65-F5344CB8AC3E}">
@@ -8311,6 +9125,29 @@
           </a:p>
         </p:txBody>
       </p:sp>
+      <p:sp>
+        <p:nvSpPr>
+          <p:cNvPr id="4" name="Нижний колонтитул 3"/>
+          <p:cNvSpPr>
+            <a:spLocks noGrp="1"/>
+          </p:cNvSpPr>
+          <p:nvPr>
+            <p:ph type="ftr" sz="quarter" idx="11"/>
+          </p:nvPr>
+        </p:nvSpPr>
+        <p:spPr/>
+        <p:txBody>
+          <a:bodyPr/>
+          <a:lstStyle/>
+          <a:p>
+            <a:r>
+              <a:rPr lang="en-US" smtClean="0"/>
+              <a:t>dmitry@protopopov.ru</a:t>
+            </a:r>
+            <a:endParaRPr lang="ru-RU"/>
+          </a:p>
+        </p:txBody>
+      </p:sp>
     </p:spTree>
     <p:extLst>
       <p:ext uri="{BB962C8B-B14F-4D97-AF65-F5344CB8AC3E}">
@@ -8533,6 +9370,29 @@
           </a:p>
         </p:txBody>
       </p:sp>
+      <p:sp>
+        <p:nvSpPr>
+          <p:cNvPr id="2" name="Нижний колонтитул 1"/>
+          <p:cNvSpPr>
+            <a:spLocks noGrp="1"/>
+          </p:cNvSpPr>
+          <p:nvPr>
+            <p:ph type="ftr" sz="quarter" idx="11"/>
+          </p:nvPr>
+        </p:nvSpPr>
+        <p:spPr/>
+        <p:txBody>
+          <a:bodyPr/>
+          <a:lstStyle/>
+          <a:p>
+            <a:r>
+              <a:rPr lang="en-US" smtClean="0"/>
+              <a:t>dmitry@protopopov.ru</a:t>
+            </a:r>
+            <a:endParaRPr lang="ru-RU"/>
+          </a:p>
+        </p:txBody>
+      </p:sp>
     </p:spTree>
     <p:extLst>
       <p:ext uri="{BB962C8B-B14F-4D97-AF65-F5344CB8AC3E}">
@@ -8870,6 +9730,29 @@
           </a:p>
         </p:txBody>
       </p:sp>
+      <p:sp>
+        <p:nvSpPr>
+          <p:cNvPr id="5" name="Нижний колонтитул 4"/>
+          <p:cNvSpPr>
+            <a:spLocks noGrp="1"/>
+          </p:cNvSpPr>
+          <p:nvPr>
+            <p:ph type="ftr" sz="quarter" idx="11"/>
+          </p:nvPr>
+        </p:nvSpPr>
+        <p:spPr/>
+        <p:txBody>
+          <a:bodyPr/>
+          <a:lstStyle/>
+          <a:p>
+            <a:r>
+              <a:rPr lang="en-US" smtClean="0"/>
+              <a:t>dmitry@protopopov.ru</a:t>
+            </a:r>
+            <a:endParaRPr lang="ru-RU"/>
+          </a:p>
+        </p:txBody>
+      </p:sp>
     </p:spTree>
     <p:extLst>
       <p:ext uri="{BB962C8B-B14F-4D97-AF65-F5344CB8AC3E}">
@@ -9063,6 +9946,29 @@
           </a:p>
         </p:txBody>
       </p:sp>
+      <p:sp>
+        <p:nvSpPr>
+          <p:cNvPr id="4" name="Нижний колонтитул 3"/>
+          <p:cNvSpPr>
+            <a:spLocks noGrp="1"/>
+          </p:cNvSpPr>
+          <p:nvPr>
+            <p:ph type="ftr" sz="quarter" idx="11"/>
+          </p:nvPr>
+        </p:nvSpPr>
+        <p:spPr/>
+        <p:txBody>
+          <a:bodyPr/>
+          <a:lstStyle/>
+          <a:p>
+            <a:r>
+              <a:rPr lang="en-US" smtClean="0"/>
+              <a:t>dmitry@protopopov.ru</a:t>
+            </a:r>
+            <a:endParaRPr lang="ru-RU"/>
+          </a:p>
+        </p:txBody>
+      </p:sp>
     </p:spTree>
     <p:extLst>
       <p:ext uri="{BB962C8B-B14F-4D97-AF65-F5344CB8AC3E}">
@@ -9148,6 +10054,29 @@
               <a:t>корзины может быть оптимизированно, чтобы уменьшить размер суммарно резервируемой памяти до размера исходного массива</a:t>
             </a:r>
             <a:endParaRPr lang="ru-RU" dirty="0"/>
+          </a:p>
+        </p:txBody>
+      </p:sp>
+      <p:sp>
+        <p:nvSpPr>
+          <p:cNvPr id="4" name="Нижний колонтитул 3"/>
+          <p:cNvSpPr>
+            <a:spLocks noGrp="1"/>
+          </p:cNvSpPr>
+          <p:nvPr>
+            <p:ph type="ftr" sz="quarter" idx="11"/>
+          </p:nvPr>
+        </p:nvSpPr>
+        <p:spPr/>
+        <p:txBody>
+          <a:bodyPr/>
+          <a:lstStyle/>
+          <a:p>
+            <a:r>
+              <a:rPr lang="en-US" smtClean="0"/>
+              <a:t>dmitry@protopopov.ru</a:t>
+            </a:r>
+            <a:endParaRPr lang="ru-RU"/>
           </a:p>
         </p:txBody>
       </p:sp>
@@ -9419,4 +10348,265 @@
     </a:ext>
   </a:extLst>
 </a:theme>
+</file>
+
+<file path=ppt/theme/theme2.xml><?xml version="1.0" encoding="utf-8"?>
+<a:theme xmlns:a="http://schemas.openxmlformats.org/drawingml/2006/main" name="Тема Office">
+  <a:themeElements>
+    <a:clrScheme name="Стандартная">
+      <a:dk1>
+        <a:sysClr val="windowText" lastClr="000000"/>
+      </a:dk1>
+      <a:lt1>
+        <a:sysClr val="window" lastClr="FFFFFF"/>
+      </a:lt1>
+      <a:dk2>
+        <a:srgbClr val="44546A"/>
+      </a:dk2>
+      <a:lt2>
+        <a:srgbClr val="E7E6E6"/>
+      </a:lt2>
+      <a:accent1>
+        <a:srgbClr val="5B9BD5"/>
+      </a:accent1>
+      <a:accent2>
+        <a:srgbClr val="ED7D31"/>
+      </a:accent2>
+      <a:accent3>
+        <a:srgbClr val="A5A5A5"/>
+      </a:accent3>
+      <a:accent4>
+        <a:srgbClr val="FFC000"/>
+      </a:accent4>
+      <a:accent5>
+        <a:srgbClr val="4472C4"/>
+      </a:accent5>
+      <a:accent6>
+        <a:srgbClr val="70AD47"/>
+      </a:accent6>
+      <a:hlink>
+        <a:srgbClr val="0563C1"/>
+      </a:hlink>
+      <a:folHlink>
+        <a:srgbClr val="954F72"/>
+      </a:folHlink>
+    </a:clrScheme>
+    <a:fontScheme name="Стандартная">
+      <a:majorFont>
+        <a:latin typeface="Calibri Light" panose="020F0302020204030204"/>
+        <a:ea typeface=""/>
+        <a:cs typeface=""/>
+        <a:font script="Jpan" typeface="ＭＳ Ｐゴシック"/>
+        <a:font script="Hang" typeface="맑은 고딕"/>
+        <a:font script="Hans" typeface="宋体"/>
+        <a:font script="Hant" typeface="新細明體"/>
+        <a:font script="Arab" typeface="Times New Roman"/>
+        <a:font script="Hebr" typeface="Times New Roman"/>
+        <a:font script="Thai" typeface="Angsana New"/>
+        <a:font script="Ethi" typeface="Nyala"/>
+        <a:font script="Beng" typeface="Vrinda"/>
+        <a:font script="Gujr" typeface="Shruti"/>
+        <a:font script="Khmr" typeface="MoolBoran"/>
+        <a:font script="Knda" typeface="Tunga"/>
+        <a:font script="Guru" typeface="Raavi"/>
+        <a:font script="Cans" typeface="Euphemia"/>
+        <a:font script="Cher" typeface="Plantagenet Cherokee"/>
+        <a:font script="Yiii" typeface="Microsoft Yi Baiti"/>
+        <a:font script="Tibt" typeface="Microsoft Himalaya"/>
+        <a:font script="Thaa" typeface="MV Boli"/>
+        <a:font script="Deva" typeface="Mangal"/>
+        <a:font script="Telu" typeface="Gautami"/>
+        <a:font script="Taml" typeface="Latha"/>
+        <a:font script="Syrc" typeface="Estrangelo Edessa"/>
+        <a:font script="Orya" typeface="Kalinga"/>
+        <a:font script="Mlym" typeface="Kartika"/>
+        <a:font script="Laoo" typeface="DokChampa"/>
+        <a:font script="Sinh" typeface="Iskoola Pota"/>
+        <a:font script="Mong" typeface="Mongolian Baiti"/>
+        <a:font script="Viet" typeface="Times New Roman"/>
+        <a:font script="Uigh" typeface="Microsoft Uighur"/>
+        <a:font script="Geor" typeface="Sylfaen"/>
+      </a:majorFont>
+      <a:minorFont>
+        <a:latin typeface="Calibri" panose="020F0502020204030204"/>
+        <a:ea typeface=""/>
+        <a:cs typeface=""/>
+        <a:font script="Jpan" typeface="ＭＳ Ｐゴシック"/>
+        <a:font script="Hang" typeface="맑은 고딕"/>
+        <a:font script="Hans" typeface="宋体"/>
+        <a:font script="Hant" typeface="新細明體"/>
+        <a:font script="Arab" typeface="Arial"/>
+        <a:font script="Hebr" typeface="Arial"/>
+        <a:font script="Thai" typeface="Cordia New"/>
+        <a:font script="Ethi" typeface="Nyala"/>
+        <a:font script="Beng" typeface="Vrinda"/>
+        <a:font script="Gujr" typeface="Shruti"/>
+        <a:font script="Khmr" typeface="DaunPenh"/>
+        <a:font script="Knda" typeface="Tunga"/>
+        <a:font script="Guru" typeface="Raavi"/>
+        <a:font script="Cans" typeface="Euphemia"/>
+        <a:font script="Cher" typeface="Plantagenet Cherokee"/>
+        <a:font script="Yiii" typeface="Microsoft Yi Baiti"/>
+        <a:font script="Tibt" typeface="Microsoft Himalaya"/>
+        <a:font script="Thaa" typeface="MV Boli"/>
+        <a:font script="Deva" typeface="Mangal"/>
+        <a:font script="Telu" typeface="Gautami"/>
+        <a:font script="Taml" typeface="Latha"/>
+        <a:font script="Syrc" typeface="Estrangelo Edessa"/>
+        <a:font script="Orya" typeface="Kalinga"/>
+        <a:font script="Mlym" typeface="Kartika"/>
+        <a:font script="Laoo" typeface="DokChampa"/>
+        <a:font script="Sinh" typeface="Iskoola Pota"/>
+        <a:font script="Mong" typeface="Mongolian Baiti"/>
+        <a:font script="Viet" typeface="Arial"/>
+        <a:font script="Uigh" typeface="Microsoft Uighur"/>
+        <a:font script="Geor" typeface="Sylfaen"/>
+      </a:minorFont>
+    </a:fontScheme>
+    <a:fmtScheme name="Стандартная">
+      <a:fillStyleLst>
+        <a:solidFill>
+          <a:schemeClr val="phClr"/>
+        </a:solidFill>
+        <a:gradFill rotWithShape="1">
+          <a:gsLst>
+            <a:gs pos="0">
+              <a:schemeClr val="phClr">
+                <a:lumMod val="110000"/>
+                <a:satMod val="105000"/>
+                <a:tint val="67000"/>
+              </a:schemeClr>
+            </a:gs>
+            <a:gs pos="50000">
+              <a:schemeClr val="phClr">
+                <a:lumMod val="105000"/>
+                <a:satMod val="103000"/>
+                <a:tint val="73000"/>
+              </a:schemeClr>
+            </a:gs>
+            <a:gs pos="100000">
+              <a:schemeClr val="phClr">
+                <a:lumMod val="105000"/>
+                <a:satMod val="109000"/>
+                <a:tint val="81000"/>
+              </a:schemeClr>
+            </a:gs>
+          </a:gsLst>
+          <a:lin ang="5400000" scaled="0"/>
+        </a:gradFill>
+        <a:gradFill rotWithShape="1">
+          <a:gsLst>
+            <a:gs pos="0">
+              <a:schemeClr val="phClr">
+                <a:satMod val="103000"/>
+                <a:lumMod val="102000"/>
+                <a:tint val="94000"/>
+              </a:schemeClr>
+            </a:gs>
+            <a:gs pos="50000">
+              <a:schemeClr val="phClr">
+                <a:satMod val="110000"/>
+                <a:lumMod val="100000"/>
+                <a:shade val="100000"/>
+              </a:schemeClr>
+            </a:gs>
+            <a:gs pos="100000">
+              <a:schemeClr val="phClr">
+                <a:lumMod val="99000"/>
+                <a:satMod val="120000"/>
+                <a:shade val="78000"/>
+              </a:schemeClr>
+            </a:gs>
+          </a:gsLst>
+          <a:lin ang="5400000" scaled="0"/>
+        </a:gradFill>
+      </a:fillStyleLst>
+      <a:lnStyleLst>
+        <a:ln w="6350" cap="flat" cmpd="sng" algn="ctr">
+          <a:solidFill>
+            <a:schemeClr val="phClr"/>
+          </a:solidFill>
+          <a:prstDash val="solid"/>
+          <a:miter lim="800000"/>
+        </a:ln>
+        <a:ln w="12700" cap="flat" cmpd="sng" algn="ctr">
+          <a:solidFill>
+            <a:schemeClr val="phClr"/>
+          </a:solidFill>
+          <a:prstDash val="solid"/>
+          <a:miter lim="800000"/>
+        </a:ln>
+        <a:ln w="19050" cap="flat" cmpd="sng" algn="ctr">
+          <a:solidFill>
+            <a:schemeClr val="phClr"/>
+          </a:solidFill>
+          <a:prstDash val="solid"/>
+          <a:miter lim="800000"/>
+        </a:ln>
+      </a:lnStyleLst>
+      <a:effectStyleLst>
+        <a:effectStyle>
+          <a:effectLst/>
+        </a:effectStyle>
+        <a:effectStyle>
+          <a:effectLst/>
+        </a:effectStyle>
+        <a:effectStyle>
+          <a:effectLst>
+            <a:outerShdw blurRad="57150" dist="19050" dir="5400000" algn="ctr" rotWithShape="0">
+              <a:srgbClr val="000000">
+                <a:alpha val="63000"/>
+              </a:srgbClr>
+            </a:outerShdw>
+          </a:effectLst>
+        </a:effectStyle>
+      </a:effectStyleLst>
+      <a:bgFillStyleLst>
+        <a:solidFill>
+          <a:schemeClr val="phClr"/>
+        </a:solidFill>
+        <a:solidFill>
+          <a:schemeClr val="phClr">
+            <a:tint val="95000"/>
+            <a:satMod val="170000"/>
+          </a:schemeClr>
+        </a:solidFill>
+        <a:gradFill rotWithShape="1">
+          <a:gsLst>
+            <a:gs pos="0">
+              <a:schemeClr val="phClr">
+                <a:tint val="93000"/>
+                <a:satMod val="150000"/>
+                <a:shade val="98000"/>
+                <a:lumMod val="102000"/>
+              </a:schemeClr>
+            </a:gs>
+            <a:gs pos="50000">
+              <a:schemeClr val="phClr">
+                <a:tint val="98000"/>
+                <a:satMod val="130000"/>
+                <a:shade val="90000"/>
+                <a:lumMod val="103000"/>
+              </a:schemeClr>
+            </a:gs>
+            <a:gs pos="100000">
+              <a:schemeClr val="phClr">
+                <a:shade val="63000"/>
+                <a:satMod val="120000"/>
+              </a:schemeClr>
+            </a:gs>
+          </a:gsLst>
+          <a:lin ang="5400000" scaled="0"/>
+        </a:gradFill>
+      </a:bgFillStyleLst>
+    </a:fmtScheme>
+  </a:themeElements>
+  <a:objectDefaults/>
+  <a:extraClrSchemeLst/>
+  <a:extLst>
+    <a:ext uri="{05A4C25C-085E-4340-85A3-A5531E510DB2}">
+      <thm15:themeFamily xmlns:thm15="http://schemas.microsoft.com/office/thememl/2012/main" name="Office Theme" id="{62F939B6-93AF-4DB8-9C6B-D6C7DFDC589F}" vid="{4A3C46E8-61CC-4603-A589-7422A47A8E4A}"/>
+    </a:ext>
+  </a:extLst>
+</a:theme>
 </file>